--- a/Concevoir/03_LiaisonsEncastrementDemontables/Cours/PPT/07_Cpt_03_LiaisonEncastrement.pptx
+++ b/Concevoir/03_LiaisonsEncastrementDemontables/Cours/PPT/07_Cpt_03_LiaisonEncastrement.pptx
@@ -5,36 +5,44 @@
     <p:sldMasterId id="2147483672" r:id="rId1"/>
   </p:sldMasterIdLst>
   <p:notesMasterIdLst>
-    <p:notesMasterId r:id="rId26"/>
+    <p:notesMasterId r:id="rId34"/>
   </p:notesMasterIdLst>
   <p:handoutMasterIdLst>
-    <p:handoutMasterId r:id="rId27"/>
+    <p:handoutMasterId r:id="rId35"/>
   </p:handoutMasterIdLst>
   <p:sldIdLst>
     <p:sldId id="256" r:id="rId2"/>
     <p:sldId id="257" r:id="rId3"/>
-    <p:sldId id="289" r:id="rId4"/>
-    <p:sldId id="290" r:id="rId5"/>
-    <p:sldId id="291" r:id="rId6"/>
-    <p:sldId id="292" r:id="rId7"/>
-    <p:sldId id="293" r:id="rId8"/>
+    <p:sldId id="290" r:id="rId4"/>
+    <p:sldId id="291" r:id="rId5"/>
+    <p:sldId id="292" r:id="rId6"/>
+    <p:sldId id="293" r:id="rId7"/>
+    <p:sldId id="312" r:id="rId8"/>
     <p:sldId id="294" r:id="rId9"/>
     <p:sldId id="295" r:id="rId10"/>
     <p:sldId id="297" r:id="rId11"/>
     <p:sldId id="296" r:id="rId12"/>
-    <p:sldId id="298" r:id="rId13"/>
-    <p:sldId id="299" r:id="rId14"/>
-    <p:sldId id="300" r:id="rId15"/>
-    <p:sldId id="301" r:id="rId16"/>
-    <p:sldId id="302" r:id="rId17"/>
-    <p:sldId id="303" r:id="rId18"/>
-    <p:sldId id="304" r:id="rId19"/>
-    <p:sldId id="305" r:id="rId20"/>
-    <p:sldId id="306" r:id="rId21"/>
-    <p:sldId id="308" r:id="rId22"/>
-    <p:sldId id="309" r:id="rId23"/>
-    <p:sldId id="310" r:id="rId24"/>
-    <p:sldId id="311" r:id="rId25"/>
+    <p:sldId id="313" r:id="rId13"/>
+    <p:sldId id="298" r:id="rId14"/>
+    <p:sldId id="314" r:id="rId15"/>
+    <p:sldId id="299" r:id="rId16"/>
+    <p:sldId id="300" r:id="rId17"/>
+    <p:sldId id="315" r:id="rId18"/>
+    <p:sldId id="316" r:id="rId19"/>
+    <p:sldId id="301" r:id="rId20"/>
+    <p:sldId id="302" r:id="rId21"/>
+    <p:sldId id="317" r:id="rId22"/>
+    <p:sldId id="318" r:id="rId23"/>
+    <p:sldId id="319" r:id="rId24"/>
+    <p:sldId id="303" r:id="rId25"/>
+    <p:sldId id="304" r:id="rId26"/>
+    <p:sldId id="320" r:id="rId27"/>
+    <p:sldId id="306" r:id="rId28"/>
+    <p:sldId id="308" r:id="rId29"/>
+    <p:sldId id="309" r:id="rId30"/>
+    <p:sldId id="310" r:id="rId31"/>
+    <p:sldId id="311" r:id="rId32"/>
+    <p:sldId id="321" r:id="rId33"/>
   </p:sldIdLst>
   <p:sldSz cx="9144000" cy="6858000" type="screen4x3"/>
   <p:notesSz cx="7099300" cy="10234613"/>
@@ -5090,7 +5098,7 @@
           <a:p>
             <a:fld id="{0063AF53-F080-4EED-89A2-71072976191D}" type="datetimeFigureOut">
               <a:rPr lang="fr-FR" smtClean="0"/>
-              <a:t>02/11/2014</a:t>
+              <a:t>05/11/2014</a:t>
             </a:fld>
             <a:endParaRPr lang="fr-FR"/>
           </a:p>
@@ -5256,7 +5264,7 @@
             <a:fld id="{408F55C5-7F94-4427-AC6E-B68A66649CA8}" type="datetimeFigureOut">
               <a:rPr lang="fr-FR" smtClean="0"/>
               <a:pPr/>
-              <a:t>02/11/2014</a:t>
+              <a:t>05/11/2014</a:t>
             </a:fld>
             <a:endParaRPr lang="fr-FR"/>
           </a:p>
@@ -5662,7 +5670,7 @@
           <a:p>
             <a:fld id="{9D56727F-6563-47CD-B250-CBA7B4B4FBDE}" type="datetime1">
               <a:rPr lang="fr-FR" smtClean="0"/>
-              <a:t>02/11/2014</a:t>
+              <a:t>05/11/2014</a:t>
             </a:fld>
             <a:endParaRPr lang="fr-BE"/>
           </a:p>
@@ -6536,7 +6544,7 @@
           <a:p>
             <a:fld id="{19ABCAB6-D49B-46FD-870F-99E10975C18F}" type="datetime1">
               <a:rPr lang="fr-FR" smtClean="0"/>
-              <a:t>02/11/2014</a:t>
+              <a:t>05/11/2014</a:t>
             </a:fld>
             <a:endParaRPr lang="fr-BE"/>
           </a:p>
@@ -6716,7 +6724,7 @@
           <a:p>
             <a:fld id="{DEEDBEA9-D968-4EC1-A19A-1F76B691A58C}" type="datetime1">
               <a:rPr lang="fr-FR" smtClean="0"/>
-              <a:t>02/11/2014</a:t>
+              <a:t>05/11/2014</a:t>
             </a:fld>
             <a:endParaRPr lang="fr-BE"/>
           </a:p>
@@ -6891,7 +6899,7 @@
           <a:p>
             <a:fld id="{9FC95688-4DB0-4F51-94A9-29BA89D545B3}" type="datetime1">
               <a:rPr lang="fr-FR" smtClean="0"/>
-              <a:t>02/11/2014</a:t>
+              <a:t>05/11/2014</a:t>
             </a:fld>
             <a:endParaRPr lang="fr-BE"/>
           </a:p>
@@ -7113,7 +7121,7 @@
           <a:p>
             <a:fld id="{20848678-D788-46FE-B700-C9269C74C891}" type="datetime1">
               <a:rPr lang="fr-FR" smtClean="0"/>
-              <a:t>02/11/2014</a:t>
+              <a:t>05/11/2014</a:t>
             </a:fld>
             <a:endParaRPr lang="fr-BE"/>
           </a:p>
@@ -7932,7 +7940,7 @@
           <a:p>
             <a:fld id="{79C16800-6255-4A73-95D9-53ECCA86BF18}" type="datetime1">
               <a:rPr lang="fr-FR" smtClean="0"/>
-              <a:t>02/11/2014</a:t>
+              <a:t>05/11/2014</a:t>
             </a:fld>
             <a:endParaRPr lang="fr-BE"/>
           </a:p>
@@ -8173,7 +8181,7 @@
           <a:p>
             <a:fld id="{2ECF0889-EA02-48F1-86FE-1B2AAC4C247E}" type="datetime1">
               <a:rPr lang="fr-FR" smtClean="0"/>
-              <a:t>02/11/2014</a:t>
+              <a:t>05/11/2014</a:t>
             </a:fld>
             <a:endParaRPr lang="fr-BE"/>
           </a:p>
@@ -8501,7 +8509,7 @@
           <a:p>
             <a:fld id="{712E9D54-6766-4EFC-BDD9-0C3193CEE8BD}" type="datetime1">
               <a:rPr lang="fr-FR" smtClean="0"/>
-              <a:t>02/11/2014</a:t>
+              <a:t>05/11/2014</a:t>
             </a:fld>
             <a:endParaRPr lang="fr-BE"/>
           </a:p>
@@ -8596,7 +8604,7 @@
           <a:p>
             <a:fld id="{5469AE92-F693-4AF4-B39E-ECB41C1DA14C}" type="datetime1">
               <a:rPr lang="fr-FR" smtClean="0"/>
-              <a:t>02/11/2014</a:t>
+              <a:t>05/11/2014</a:t>
             </a:fld>
             <a:endParaRPr lang="fr-BE"/>
           </a:p>
@@ -9118,7 +9126,7 @@
           <a:p>
             <a:fld id="{15EB620E-D183-4F2A-BD4F-6B1729D1A0DE}" type="datetime1">
               <a:rPr lang="fr-FR" smtClean="0"/>
-              <a:t>02/11/2014</a:t>
+              <a:t>05/11/2014</a:t>
             </a:fld>
             <a:endParaRPr lang="fr-BE"/>
           </a:p>
@@ -9634,7 +9642,7 @@
           <a:p>
             <a:fld id="{2D38B004-A344-4981-8789-E15D3302231A}" type="datetime1">
               <a:rPr lang="fr-FR" smtClean="0"/>
-              <a:t>02/11/2014</a:t>
+              <a:t>05/11/2014</a:t>
             </a:fld>
             <a:endParaRPr lang="fr-BE"/>
           </a:p>
@@ -9884,7 +9892,7 @@
           <a:p>
             <a:fld id="{002E150F-AA26-4E99-A02A-7CA355CA54B4}" type="datetime1">
               <a:rPr lang="fr-FR" smtClean="0"/>
-              <a:t>02/11/2014</a:t>
+              <a:t>05/11/2014</a:t>
             </a:fld>
             <a:endParaRPr lang="fr-BE"/>
           </a:p>
@@ -10647,11 +10655,7 @@
             </a:r>
             <a:r>
               <a:rPr lang="fr-FR" i="1" dirty="0" smtClean="0"/>
-              <a:t>Chapitre </a:t>
-            </a:r>
-            <a:r>
-              <a:rPr lang="fr-FR" i="1" dirty="0" smtClean="0"/>
-              <a:t>3</a:t>
+              <a:t>Chapitre 3</a:t>
             </a:r>
             <a:r>
               <a:rPr lang="fr-FR" i="1" dirty="0"/>
@@ -11144,6 +11148,60 @@
           <a:chExt cx="0" cy="0"/>
         </a:xfrm>
       </p:grpSpPr>
+      <p:pic>
+        <p:nvPicPr>
+          <p:cNvPr id="7170" name="Picture 2"/>
+          <p:cNvPicPr>
+            <a:picLocks noChangeAspect="1" noChangeArrowheads="1"/>
+          </p:cNvPicPr>
+          <p:nvPr/>
+        </p:nvPicPr>
+        <p:blipFill>
+          <a:blip r:embed="rId2">
+            <a:extLst>
+              <a:ext uri="{28A0092B-C50C-407E-A947-70E740481C1C}">
+                <a14:useLocalDpi xmlns:a14="http://schemas.microsoft.com/office/drawing/2010/main" val="0"/>
+              </a:ext>
+            </a:extLst>
+          </a:blip>
+          <a:srcRect/>
+          <a:stretch>
+            <a:fillRect/>
+          </a:stretch>
+        </p:blipFill>
+        <p:spPr bwMode="auto">
+          <a:xfrm>
+            <a:off x="5924550" y="0"/>
+            <a:ext cx="3219450" cy="1876425"/>
+          </a:xfrm>
+          <a:prstGeom prst="rect">
+            <a:avLst/>
+          </a:prstGeom>
+          <a:noFill/>
+          <a:ln>
+            <a:noFill/>
+          </a:ln>
+          <a:extLst>
+            <a:ext uri="{909E8E84-426E-40DD-AFC4-6F175D3DCCD1}">
+              <a14:hiddenFill xmlns:a14="http://schemas.microsoft.com/office/drawing/2010/main">
+                <a:solidFill>
+                  <a:schemeClr val="accent1"/>
+                </a:solidFill>
+              </a14:hiddenFill>
+            </a:ext>
+            <a:ext uri="{91240B29-F687-4F45-9708-019B960494DF}">
+              <a14:hiddenLine xmlns:a14="http://schemas.microsoft.com/office/drawing/2010/main" w="9525">
+                <a:solidFill>
+                  <a:schemeClr val="tx1"/>
+                </a:solidFill>
+                <a:miter lim="800000"/>
+                <a:headEnd/>
+                <a:tailEnd/>
+              </a14:hiddenLine>
+            </a:ext>
+          </a:extLst>
+        </p:spPr>
+      </p:pic>
       <p:sp>
         <p:nvSpPr>
           <p:cNvPr id="2" name="Titre 1"/>
@@ -11246,6 +11304,60 @@
           </a:p>
         </p:txBody>
       </p:sp>
+      <p:pic>
+        <p:nvPicPr>
+          <p:cNvPr id="7171" name="Picture 3"/>
+          <p:cNvPicPr>
+            <a:picLocks noChangeAspect="1" noChangeArrowheads="1"/>
+          </p:cNvPicPr>
+          <p:nvPr/>
+        </p:nvPicPr>
+        <p:blipFill>
+          <a:blip r:embed="rId3">
+            <a:extLst>
+              <a:ext uri="{28A0092B-C50C-407E-A947-70E740481C1C}">
+                <a14:useLocalDpi xmlns:a14="http://schemas.microsoft.com/office/drawing/2010/main" val="0"/>
+              </a:ext>
+            </a:extLst>
+          </a:blip>
+          <a:srcRect/>
+          <a:stretch>
+            <a:fillRect/>
+          </a:stretch>
+        </p:blipFill>
+        <p:spPr bwMode="auto">
+          <a:xfrm>
+            <a:off x="1259632" y="1846425"/>
+            <a:ext cx="5328592" cy="5011575"/>
+          </a:xfrm>
+          <a:prstGeom prst="rect">
+            <a:avLst/>
+          </a:prstGeom>
+          <a:noFill/>
+          <a:ln>
+            <a:noFill/>
+          </a:ln>
+          <a:extLst>
+            <a:ext uri="{909E8E84-426E-40DD-AFC4-6F175D3DCCD1}">
+              <a14:hiddenFill xmlns:a14="http://schemas.microsoft.com/office/drawing/2010/main">
+                <a:solidFill>
+                  <a:schemeClr val="accent1"/>
+                </a:solidFill>
+              </a14:hiddenFill>
+            </a:ext>
+            <a:ext uri="{91240B29-F687-4F45-9708-019B960494DF}">
+              <a14:hiddenLine xmlns:a14="http://schemas.microsoft.com/office/drawing/2010/main" w="9525">
+                <a:solidFill>
+                  <a:schemeClr val="tx1"/>
+                </a:solidFill>
+                <a:miter lim="800000"/>
+                <a:headEnd/>
+                <a:tailEnd/>
+              </a14:hiddenLine>
+            </a:ext>
+          </a:extLst>
+        </p:spPr>
+      </p:pic>
     </p:spTree>
     <p:extLst>
       <p:ext uri="{BB962C8B-B14F-4D97-AF65-F5344CB8AC3E}">
@@ -11378,6 +11490,222 @@
           </a:p>
         </p:txBody>
       </p:sp>
+      <p:pic>
+        <p:nvPicPr>
+          <p:cNvPr id="8194" name="Picture 2"/>
+          <p:cNvPicPr>
+            <a:picLocks noChangeAspect="1" noChangeArrowheads="1"/>
+          </p:cNvPicPr>
+          <p:nvPr/>
+        </p:nvPicPr>
+        <p:blipFill>
+          <a:blip r:embed="rId2">
+            <a:extLst>
+              <a:ext uri="{28A0092B-C50C-407E-A947-70E740481C1C}">
+                <a14:useLocalDpi xmlns:a14="http://schemas.microsoft.com/office/drawing/2010/main" val="0"/>
+              </a:ext>
+            </a:extLst>
+          </a:blip>
+          <a:srcRect/>
+          <a:stretch>
+            <a:fillRect/>
+          </a:stretch>
+        </p:blipFill>
+        <p:spPr bwMode="auto">
+          <a:xfrm>
+            <a:off x="1259632" y="1916832"/>
+            <a:ext cx="1885950" cy="1971675"/>
+          </a:xfrm>
+          <a:prstGeom prst="rect">
+            <a:avLst/>
+          </a:prstGeom>
+          <a:noFill/>
+          <a:ln>
+            <a:noFill/>
+          </a:ln>
+          <a:extLst>
+            <a:ext uri="{909E8E84-426E-40DD-AFC4-6F175D3DCCD1}">
+              <a14:hiddenFill xmlns:a14="http://schemas.microsoft.com/office/drawing/2010/main">
+                <a:solidFill>
+                  <a:schemeClr val="accent1"/>
+                </a:solidFill>
+              </a14:hiddenFill>
+            </a:ext>
+            <a:ext uri="{91240B29-F687-4F45-9708-019B960494DF}">
+              <a14:hiddenLine xmlns:a14="http://schemas.microsoft.com/office/drawing/2010/main" w="9525">
+                <a:solidFill>
+                  <a:schemeClr val="tx1"/>
+                </a:solidFill>
+                <a:miter lim="800000"/>
+                <a:headEnd/>
+                <a:tailEnd/>
+              </a14:hiddenLine>
+            </a:ext>
+          </a:extLst>
+        </p:spPr>
+      </p:pic>
+      <p:pic>
+        <p:nvPicPr>
+          <p:cNvPr id="8195" name="Picture 3"/>
+          <p:cNvPicPr>
+            <a:picLocks noChangeAspect="1" noChangeArrowheads="1"/>
+          </p:cNvPicPr>
+          <p:nvPr/>
+        </p:nvPicPr>
+        <p:blipFill>
+          <a:blip r:embed="rId3">
+            <a:extLst>
+              <a:ext uri="{28A0092B-C50C-407E-A947-70E740481C1C}">
+                <a14:useLocalDpi xmlns:a14="http://schemas.microsoft.com/office/drawing/2010/main" val="0"/>
+              </a:ext>
+            </a:extLst>
+          </a:blip>
+          <a:srcRect/>
+          <a:stretch>
+            <a:fillRect/>
+          </a:stretch>
+        </p:blipFill>
+        <p:spPr bwMode="auto">
+          <a:xfrm>
+            <a:off x="3635896" y="1624980"/>
+            <a:ext cx="5000625" cy="2695575"/>
+          </a:xfrm>
+          <a:prstGeom prst="rect">
+            <a:avLst/>
+          </a:prstGeom>
+          <a:noFill/>
+          <a:ln>
+            <a:noFill/>
+          </a:ln>
+          <a:extLst>
+            <a:ext uri="{909E8E84-426E-40DD-AFC4-6F175D3DCCD1}">
+              <a14:hiddenFill xmlns:a14="http://schemas.microsoft.com/office/drawing/2010/main">
+                <a:solidFill>
+                  <a:schemeClr val="accent1"/>
+                </a:solidFill>
+              </a14:hiddenFill>
+            </a:ext>
+            <a:ext uri="{91240B29-F687-4F45-9708-019B960494DF}">
+              <a14:hiddenLine xmlns:a14="http://schemas.microsoft.com/office/drawing/2010/main" w="9525">
+                <a:solidFill>
+                  <a:schemeClr val="tx1"/>
+                </a:solidFill>
+                <a:miter lim="800000"/>
+                <a:headEnd/>
+                <a:tailEnd/>
+              </a14:hiddenLine>
+            </a:ext>
+          </a:extLst>
+        </p:spPr>
+      </p:pic>
+      <p:pic>
+        <p:nvPicPr>
+          <p:cNvPr id="8196" name="Picture 4"/>
+          <p:cNvPicPr>
+            <a:picLocks noChangeAspect="1" noChangeArrowheads="1"/>
+          </p:cNvPicPr>
+          <p:nvPr/>
+        </p:nvPicPr>
+        <p:blipFill>
+          <a:blip r:embed="rId4">
+            <a:extLst>
+              <a:ext uri="{28A0092B-C50C-407E-A947-70E740481C1C}">
+                <a14:useLocalDpi xmlns:a14="http://schemas.microsoft.com/office/drawing/2010/main" val="0"/>
+              </a:ext>
+            </a:extLst>
+          </a:blip>
+          <a:srcRect/>
+          <a:stretch>
+            <a:fillRect/>
+          </a:stretch>
+        </p:blipFill>
+        <p:spPr bwMode="auto">
+          <a:xfrm>
+            <a:off x="251520" y="4405313"/>
+            <a:ext cx="2724150" cy="1952625"/>
+          </a:xfrm>
+          <a:prstGeom prst="rect">
+            <a:avLst/>
+          </a:prstGeom>
+          <a:noFill/>
+          <a:ln>
+            <a:noFill/>
+          </a:ln>
+          <a:extLst>
+            <a:ext uri="{909E8E84-426E-40DD-AFC4-6F175D3DCCD1}">
+              <a14:hiddenFill xmlns:a14="http://schemas.microsoft.com/office/drawing/2010/main">
+                <a:solidFill>
+                  <a:schemeClr val="accent1"/>
+                </a:solidFill>
+              </a14:hiddenFill>
+            </a:ext>
+            <a:ext uri="{91240B29-F687-4F45-9708-019B960494DF}">
+              <a14:hiddenLine xmlns:a14="http://schemas.microsoft.com/office/drawing/2010/main" w="9525">
+                <a:solidFill>
+                  <a:schemeClr val="tx1"/>
+                </a:solidFill>
+                <a:miter lim="800000"/>
+                <a:headEnd/>
+                <a:tailEnd/>
+              </a14:hiddenLine>
+            </a:ext>
+          </a:extLst>
+        </p:spPr>
+      </p:pic>
+      <p:pic>
+        <p:nvPicPr>
+          <p:cNvPr id="8197" name="Picture 5"/>
+          <p:cNvPicPr>
+            <a:picLocks noChangeAspect="1" noChangeArrowheads="1"/>
+          </p:cNvPicPr>
+          <p:nvPr/>
+        </p:nvPicPr>
+        <p:blipFill>
+          <a:blip r:embed="rId5">
+            <a:extLst>
+              <a:ext uri="{28A0092B-C50C-407E-A947-70E740481C1C}">
+                <a14:useLocalDpi xmlns:a14="http://schemas.microsoft.com/office/drawing/2010/main" val="0"/>
+              </a:ext>
+            </a:extLst>
+          </a:blip>
+          <a:srcRect/>
+          <a:stretch>
+            <a:fillRect/>
+          </a:stretch>
+        </p:blipFill>
+        <p:spPr bwMode="auto">
+          <a:xfrm>
+            <a:off x="3145582" y="4320555"/>
+            <a:ext cx="4764682" cy="2143751"/>
+          </a:xfrm>
+          <a:prstGeom prst="rect">
+            <a:avLst/>
+          </a:prstGeom>
+          <a:noFill/>
+          <a:ln>
+            <a:noFill/>
+          </a:ln>
+          <a:extLst>
+            <a:ext uri="{909E8E84-426E-40DD-AFC4-6F175D3DCCD1}">
+              <a14:hiddenFill xmlns:a14="http://schemas.microsoft.com/office/drawing/2010/main">
+                <a:solidFill>
+                  <a:schemeClr val="accent1"/>
+                </a:solidFill>
+              </a14:hiddenFill>
+            </a:ext>
+            <a:ext uri="{91240B29-F687-4F45-9708-019B960494DF}">
+              <a14:hiddenLine xmlns:a14="http://schemas.microsoft.com/office/drawing/2010/main" w="9525">
+                <a:solidFill>
+                  <a:schemeClr val="tx1"/>
+                </a:solidFill>
+                <a:miter lim="800000"/>
+                <a:headEnd/>
+                <a:tailEnd/>
+              </a14:hiddenLine>
+            </a:ext>
+          </a:extLst>
+        </p:spPr>
+      </p:pic>
     </p:spTree>
     <p:extLst>
       <p:ext uri="{BB962C8B-B14F-4D97-AF65-F5344CB8AC3E}">
@@ -11457,7 +11785,7 @@
           <a:p>
             <a:r>
               <a:rPr lang="fr-FR" dirty="0" smtClean="0"/>
-              <a:t>Maintien en position sans réglage</a:t>
+              <a:t>Maintien en position avec réglage</a:t>
             </a:r>
             <a:endParaRPr lang="fr-FR" dirty="0"/>
           </a:p>
@@ -11510,10 +11838,118 @@
           </a:p>
         </p:txBody>
       </p:sp>
+      <p:pic>
+        <p:nvPicPr>
+          <p:cNvPr id="9218" name="Picture 2"/>
+          <p:cNvPicPr>
+            <a:picLocks noChangeAspect="1" noChangeArrowheads="1"/>
+          </p:cNvPicPr>
+          <p:nvPr/>
+        </p:nvPicPr>
+        <p:blipFill>
+          <a:blip r:embed="rId2">
+            <a:extLst>
+              <a:ext uri="{28A0092B-C50C-407E-A947-70E740481C1C}">
+                <a14:useLocalDpi xmlns:a14="http://schemas.microsoft.com/office/drawing/2010/main" val="0"/>
+              </a:ext>
+            </a:extLst>
+          </a:blip>
+          <a:srcRect/>
+          <a:stretch>
+            <a:fillRect/>
+          </a:stretch>
+        </p:blipFill>
+        <p:spPr bwMode="auto">
+          <a:xfrm>
+            <a:off x="1259632" y="1844824"/>
+            <a:ext cx="6057900" cy="2076450"/>
+          </a:xfrm>
+          <a:prstGeom prst="rect">
+            <a:avLst/>
+          </a:prstGeom>
+          <a:noFill/>
+          <a:ln>
+            <a:noFill/>
+          </a:ln>
+          <a:extLst>
+            <a:ext uri="{909E8E84-426E-40DD-AFC4-6F175D3DCCD1}">
+              <a14:hiddenFill xmlns:a14="http://schemas.microsoft.com/office/drawing/2010/main">
+                <a:solidFill>
+                  <a:schemeClr val="accent1"/>
+                </a:solidFill>
+              </a14:hiddenFill>
+            </a:ext>
+            <a:ext uri="{91240B29-F687-4F45-9708-019B960494DF}">
+              <a14:hiddenLine xmlns:a14="http://schemas.microsoft.com/office/drawing/2010/main" w="9525">
+                <a:solidFill>
+                  <a:schemeClr val="tx1"/>
+                </a:solidFill>
+                <a:miter lim="800000"/>
+                <a:headEnd/>
+                <a:tailEnd/>
+              </a14:hiddenLine>
+            </a:ext>
+          </a:extLst>
+        </p:spPr>
+      </p:pic>
+      <p:pic>
+        <p:nvPicPr>
+          <p:cNvPr id="9219" name="Picture 3"/>
+          <p:cNvPicPr>
+            <a:picLocks noChangeAspect="1" noChangeArrowheads="1"/>
+          </p:cNvPicPr>
+          <p:nvPr/>
+        </p:nvPicPr>
+        <p:blipFill>
+          <a:blip r:embed="rId3">
+            <a:extLst>
+              <a:ext uri="{28A0092B-C50C-407E-A947-70E740481C1C}">
+                <a14:useLocalDpi xmlns:a14="http://schemas.microsoft.com/office/drawing/2010/main" val="0"/>
+              </a:ext>
+            </a:extLst>
+          </a:blip>
+          <a:srcRect/>
+          <a:stretch>
+            <a:fillRect/>
+          </a:stretch>
+        </p:blipFill>
+        <p:spPr bwMode="auto">
+          <a:xfrm>
+            <a:off x="2627784" y="4132252"/>
+            <a:ext cx="2736304" cy="2499430"/>
+          </a:xfrm>
+          <a:prstGeom prst="rect">
+            <a:avLst/>
+          </a:prstGeom>
+          <a:noFill/>
+          <a:ln>
+            <a:noFill/>
+          </a:ln>
+          <a:extLst>
+            <a:ext uri="{909E8E84-426E-40DD-AFC4-6F175D3DCCD1}">
+              <a14:hiddenFill xmlns:a14="http://schemas.microsoft.com/office/drawing/2010/main">
+                <a:solidFill>
+                  <a:schemeClr val="accent1"/>
+                </a:solidFill>
+              </a14:hiddenFill>
+            </a:ext>
+            <a:ext uri="{91240B29-F687-4F45-9708-019B960494DF}">
+              <a14:hiddenLine xmlns:a14="http://schemas.microsoft.com/office/drawing/2010/main" w="9525">
+                <a:solidFill>
+                  <a:schemeClr val="tx1"/>
+                </a:solidFill>
+                <a:miter lim="800000"/>
+                <a:headEnd/>
+                <a:tailEnd/>
+              </a14:hiddenLine>
+            </a:ext>
+          </a:extLst>
+        </p:spPr>
+      </p:pic>
     </p:spTree>
     <p:extLst>
       <p:ext uri="{BB962C8B-B14F-4D97-AF65-F5344CB8AC3E}">
-        <p14:creationId xmlns:p14="http://schemas.microsoft.com/office/powerpoint/2010/main" val="1809603649"/>
+        <p14:creationId xmlns:p14="http://schemas.microsoft.com/office/powerpoint/2010/main" val="3089325161"/>
       </p:ext>
     </p:extLst>
   </p:cSld>
@@ -11553,22 +11989,22 @@
         <p:spPr/>
         <p:txBody>
           <a:bodyPr>
-            <a:normAutofit/>
+            <a:normAutofit fontScale="90000"/>
           </a:bodyPr>
           <a:lstStyle/>
           <a:p>
             <a:r>
-              <a:rPr lang="fr-FR" sz="2400" dirty="0" smtClean="0"/>
-              <a:t>Liaisons à contact cylindrique prépondérant</a:t>
+              <a:rPr lang="fr-FR" sz="3200" dirty="0"/>
+              <a:t>Liaisons a contact plan prépondérant</a:t>
             </a:r>
             <a:br>
-              <a:rPr lang="fr-FR" sz="2400" dirty="0" smtClean="0"/>
+              <a:rPr lang="fr-FR" sz="3200" dirty="0"/>
             </a:br>
             <a:r>
-              <a:rPr lang="fr-FR" sz="2400" dirty="0" smtClean="0"/>
-              <a:t>MIP principale : pivot glissant</a:t>
-            </a:r>
-            <a:endParaRPr lang="fr-FR" sz="2400" dirty="0"/>
+              <a:rPr lang="fr-FR" sz="3200" dirty="0" smtClean="0"/>
+              <a:t>Maintien en position</a:t>
+            </a:r>
+            <a:endParaRPr lang="fr-FR" dirty="0"/>
           </a:p>
         </p:txBody>
       </p:sp>
@@ -11587,7 +12023,11 @@
           <a:bodyPr/>
           <a:lstStyle/>
           <a:p>
-            <a:endParaRPr lang="fr-FR"/>
+            <a:r>
+              <a:rPr lang="fr-FR" dirty="0" smtClean="0"/>
+              <a:t>Maintien en position sans réglage</a:t>
+            </a:r>
+            <a:endParaRPr lang="fr-FR" dirty="0"/>
           </a:p>
         </p:txBody>
       </p:sp>
@@ -11638,10 +12078,172 @@
           </a:p>
         </p:txBody>
       </p:sp>
+      <p:pic>
+        <p:nvPicPr>
+          <p:cNvPr id="10242" name="Picture 2"/>
+          <p:cNvPicPr>
+            <a:picLocks noChangeAspect="1" noChangeArrowheads="1"/>
+          </p:cNvPicPr>
+          <p:nvPr/>
+        </p:nvPicPr>
+        <p:blipFill>
+          <a:blip r:embed="rId2">
+            <a:extLst>
+              <a:ext uri="{28A0092B-C50C-407E-A947-70E740481C1C}">
+                <a14:useLocalDpi xmlns:a14="http://schemas.microsoft.com/office/drawing/2010/main" val="0"/>
+              </a:ext>
+            </a:extLst>
+          </a:blip>
+          <a:srcRect/>
+          <a:stretch>
+            <a:fillRect/>
+          </a:stretch>
+        </p:blipFill>
+        <p:spPr bwMode="auto">
+          <a:xfrm>
+            <a:off x="971600" y="1677711"/>
+            <a:ext cx="2257425" cy="1609725"/>
+          </a:xfrm>
+          <a:prstGeom prst="rect">
+            <a:avLst/>
+          </a:prstGeom>
+          <a:noFill/>
+          <a:ln>
+            <a:noFill/>
+          </a:ln>
+          <a:extLst>
+            <a:ext uri="{909E8E84-426E-40DD-AFC4-6F175D3DCCD1}">
+              <a14:hiddenFill xmlns:a14="http://schemas.microsoft.com/office/drawing/2010/main">
+                <a:solidFill>
+                  <a:schemeClr val="accent1"/>
+                </a:solidFill>
+              </a14:hiddenFill>
+            </a:ext>
+            <a:ext uri="{91240B29-F687-4F45-9708-019B960494DF}">
+              <a14:hiddenLine xmlns:a14="http://schemas.microsoft.com/office/drawing/2010/main" w="9525">
+                <a:solidFill>
+                  <a:schemeClr val="tx1"/>
+                </a:solidFill>
+                <a:miter lim="800000"/>
+                <a:headEnd/>
+                <a:tailEnd/>
+              </a14:hiddenLine>
+            </a:ext>
+          </a:extLst>
+        </p:spPr>
+      </p:pic>
+      <p:pic>
+        <p:nvPicPr>
+          <p:cNvPr id="10243" name="Picture 3"/>
+          <p:cNvPicPr>
+            <a:picLocks noChangeAspect="1" noChangeArrowheads="1"/>
+          </p:cNvPicPr>
+          <p:nvPr/>
+        </p:nvPicPr>
+        <p:blipFill>
+          <a:blip r:embed="rId3">
+            <a:extLst>
+              <a:ext uri="{28A0092B-C50C-407E-A947-70E740481C1C}">
+                <a14:useLocalDpi xmlns:a14="http://schemas.microsoft.com/office/drawing/2010/main" val="0"/>
+              </a:ext>
+            </a:extLst>
+          </a:blip>
+          <a:srcRect/>
+          <a:stretch>
+            <a:fillRect/>
+          </a:stretch>
+        </p:blipFill>
+        <p:spPr bwMode="auto">
+          <a:xfrm>
+            <a:off x="4572000" y="1677711"/>
+            <a:ext cx="2847975" cy="1695450"/>
+          </a:xfrm>
+          <a:prstGeom prst="rect">
+            <a:avLst/>
+          </a:prstGeom>
+          <a:noFill/>
+          <a:ln>
+            <a:noFill/>
+          </a:ln>
+          <a:extLst>
+            <a:ext uri="{909E8E84-426E-40DD-AFC4-6F175D3DCCD1}">
+              <a14:hiddenFill xmlns:a14="http://schemas.microsoft.com/office/drawing/2010/main">
+                <a:solidFill>
+                  <a:schemeClr val="accent1"/>
+                </a:solidFill>
+              </a14:hiddenFill>
+            </a:ext>
+            <a:ext uri="{91240B29-F687-4F45-9708-019B960494DF}">
+              <a14:hiddenLine xmlns:a14="http://schemas.microsoft.com/office/drawing/2010/main" w="9525">
+                <a:solidFill>
+                  <a:schemeClr val="tx1"/>
+                </a:solidFill>
+                <a:miter lim="800000"/>
+                <a:headEnd/>
+                <a:tailEnd/>
+              </a14:hiddenLine>
+            </a:ext>
+          </a:extLst>
+        </p:spPr>
+      </p:pic>
+      <p:pic>
+        <p:nvPicPr>
+          <p:cNvPr id="10244" name="Picture 4"/>
+          <p:cNvPicPr>
+            <a:picLocks noChangeAspect="1" noChangeArrowheads="1"/>
+          </p:cNvPicPr>
+          <p:nvPr/>
+        </p:nvPicPr>
+        <p:blipFill>
+          <a:blip r:embed="rId4">
+            <a:extLst>
+              <a:ext uri="{28A0092B-C50C-407E-A947-70E740481C1C}">
+                <a14:useLocalDpi xmlns:a14="http://schemas.microsoft.com/office/drawing/2010/main" val="0"/>
+              </a:ext>
+            </a:extLst>
+          </a:blip>
+          <a:srcRect/>
+          <a:stretch>
+            <a:fillRect/>
+          </a:stretch>
+        </p:blipFill>
+        <p:spPr bwMode="auto">
+          <a:xfrm>
+            <a:off x="1187624" y="3717032"/>
+            <a:ext cx="5981700" cy="2200275"/>
+          </a:xfrm>
+          <a:prstGeom prst="rect">
+            <a:avLst/>
+          </a:prstGeom>
+          <a:noFill/>
+          <a:ln>
+            <a:noFill/>
+          </a:ln>
+          <a:extLst>
+            <a:ext uri="{909E8E84-426E-40DD-AFC4-6F175D3DCCD1}">
+              <a14:hiddenFill xmlns:a14="http://schemas.microsoft.com/office/drawing/2010/main">
+                <a:solidFill>
+                  <a:schemeClr val="accent1"/>
+                </a:solidFill>
+              </a14:hiddenFill>
+            </a:ext>
+            <a:ext uri="{91240B29-F687-4F45-9708-019B960494DF}">
+              <a14:hiddenLine xmlns:a14="http://schemas.microsoft.com/office/drawing/2010/main" w="9525">
+                <a:solidFill>
+                  <a:schemeClr val="tx1"/>
+                </a:solidFill>
+                <a:miter lim="800000"/>
+                <a:headEnd/>
+                <a:tailEnd/>
+              </a14:hiddenLine>
+            </a:ext>
+          </a:extLst>
+        </p:spPr>
+      </p:pic>
     </p:spTree>
     <p:extLst>
       <p:ext uri="{BB962C8B-B14F-4D97-AF65-F5344CB8AC3E}">
-        <p14:creationId xmlns:p14="http://schemas.microsoft.com/office/powerpoint/2010/main" val="2578069776"/>
+        <p14:creationId xmlns:p14="http://schemas.microsoft.com/office/powerpoint/2010/main" val="1809603649"/>
       </p:ext>
     </p:extLst>
   </p:cSld>
@@ -11681,22 +12283,22 @@
         <p:spPr/>
         <p:txBody>
           <a:bodyPr>
-            <a:normAutofit/>
+            <a:normAutofit fontScale="90000"/>
           </a:bodyPr>
           <a:lstStyle/>
           <a:p>
             <a:r>
-              <a:rPr lang="fr-FR" sz="2400" dirty="0" smtClean="0"/>
-              <a:t>Liaisons à contact cylindrique prépondérant</a:t>
+              <a:rPr lang="fr-FR" sz="3200" dirty="0"/>
+              <a:t>Liaisons a contact plan prépondérant</a:t>
             </a:r>
             <a:br>
-              <a:rPr lang="fr-FR" sz="2400" dirty="0" smtClean="0"/>
+              <a:rPr lang="fr-FR" sz="3200" dirty="0"/>
             </a:br>
             <a:r>
-              <a:rPr lang="fr-FR" sz="2400" dirty="0" smtClean="0"/>
-              <a:t>MIP secondaire : liaison pivot</a:t>
-            </a:r>
-            <a:endParaRPr lang="fr-FR" sz="2400" dirty="0"/>
+              <a:rPr lang="fr-FR" sz="3200" dirty="0" smtClean="0"/>
+              <a:t>Solution d’étanchéité</a:t>
+            </a:r>
+            <a:endParaRPr lang="fr-FR" dirty="0"/>
           </a:p>
         </p:txBody>
       </p:sp>
@@ -11766,10 +12368,64 @@
           </a:p>
         </p:txBody>
       </p:sp>
+      <p:pic>
+        <p:nvPicPr>
+          <p:cNvPr id="11266" name="Picture 2"/>
+          <p:cNvPicPr>
+            <a:picLocks noChangeAspect="1" noChangeArrowheads="1"/>
+          </p:cNvPicPr>
+          <p:nvPr/>
+        </p:nvPicPr>
+        <p:blipFill>
+          <a:blip r:embed="rId2">
+            <a:extLst>
+              <a:ext uri="{28A0092B-C50C-407E-A947-70E740481C1C}">
+                <a14:useLocalDpi xmlns:a14="http://schemas.microsoft.com/office/drawing/2010/main" val="0"/>
+              </a:ext>
+            </a:extLst>
+          </a:blip>
+          <a:srcRect/>
+          <a:stretch>
+            <a:fillRect/>
+          </a:stretch>
+        </p:blipFill>
+        <p:spPr bwMode="auto">
+          <a:xfrm>
+            <a:off x="827584" y="1981200"/>
+            <a:ext cx="6768521" cy="3464024"/>
+          </a:xfrm>
+          <a:prstGeom prst="rect">
+            <a:avLst/>
+          </a:prstGeom>
+          <a:noFill/>
+          <a:ln>
+            <a:noFill/>
+          </a:ln>
+          <a:extLst>
+            <a:ext uri="{909E8E84-426E-40DD-AFC4-6F175D3DCCD1}">
+              <a14:hiddenFill xmlns:a14="http://schemas.microsoft.com/office/drawing/2010/main">
+                <a:solidFill>
+                  <a:schemeClr val="accent1"/>
+                </a:solidFill>
+              </a14:hiddenFill>
+            </a:ext>
+            <a:ext uri="{91240B29-F687-4F45-9708-019B960494DF}">
+              <a14:hiddenLine xmlns:a14="http://schemas.microsoft.com/office/drawing/2010/main" w="9525">
+                <a:solidFill>
+                  <a:schemeClr val="tx1"/>
+                </a:solidFill>
+                <a:miter lim="800000"/>
+                <a:headEnd/>
+                <a:tailEnd/>
+              </a14:hiddenLine>
+            </a:ext>
+          </a:extLst>
+        </p:spPr>
+      </p:pic>
     </p:spTree>
     <p:extLst>
       <p:ext uri="{BB962C8B-B14F-4D97-AF65-F5344CB8AC3E}">
-        <p14:creationId xmlns:p14="http://schemas.microsoft.com/office/powerpoint/2010/main" val="1198102853"/>
+        <p14:creationId xmlns:p14="http://schemas.microsoft.com/office/powerpoint/2010/main" val="1329020182"/>
       </p:ext>
     </p:extLst>
   </p:cSld>
@@ -11822,32 +12478,9 @@
             </a:br>
             <a:r>
               <a:rPr lang="fr-FR" sz="2400" dirty="0" smtClean="0"/>
-              <a:t>MIP secondaire : liaison glissière</a:t>
+              <a:t>MIP principale : pivot glissant</a:t>
             </a:r>
             <a:endParaRPr lang="fr-FR" sz="2400" dirty="0"/>
-          </a:p>
-        </p:txBody>
-      </p:sp>
-      <p:sp>
-        <p:nvSpPr>
-          <p:cNvPr id="3" name="Espace réservé du contenu 2"/>
-          <p:cNvSpPr>
-            <a:spLocks noGrp="1"/>
-          </p:cNvSpPr>
-          <p:nvPr>
-            <p:ph sz="quarter" idx="1"/>
-          </p:nvPr>
-        </p:nvSpPr>
-        <p:spPr/>
-        <p:txBody>
-          <a:bodyPr/>
-          <a:lstStyle/>
-          <a:p>
-            <a:r>
-              <a:rPr lang="fr-FR" dirty="0" smtClean="0"/>
-              <a:t>Ligne courte</a:t>
-            </a:r>
-            <a:endParaRPr lang="fr-FR" dirty="0"/>
           </a:p>
         </p:txBody>
       </p:sp>
@@ -11898,10 +12531,66 @@
           </a:p>
         </p:txBody>
       </p:sp>
+      <p:pic>
+        <p:nvPicPr>
+          <p:cNvPr id="12290" name="Picture 2"/>
+          <p:cNvPicPr>
+            <a:picLocks noGrp="1" noChangeAspect="1" noChangeArrowheads="1"/>
+          </p:cNvPicPr>
+          <p:nvPr>
+            <p:ph sz="quarter" idx="1"/>
+          </p:nvPr>
+        </p:nvPicPr>
+        <p:blipFill>
+          <a:blip r:embed="rId2">
+            <a:extLst>
+              <a:ext uri="{28A0092B-C50C-407E-A947-70E740481C1C}">
+                <a14:useLocalDpi xmlns:a14="http://schemas.microsoft.com/office/drawing/2010/main" val="0"/>
+              </a:ext>
+            </a:extLst>
+          </a:blip>
+          <a:srcRect/>
+          <a:stretch>
+            <a:fillRect/>
+          </a:stretch>
+        </p:blipFill>
+        <p:spPr bwMode="auto">
+          <a:xfrm>
+            <a:off x="542925" y="2935287"/>
+            <a:ext cx="7296150" cy="1800225"/>
+          </a:xfrm>
+          <a:prstGeom prst="rect">
+            <a:avLst/>
+          </a:prstGeom>
+          <a:noFill/>
+          <a:ln>
+            <a:noFill/>
+          </a:ln>
+          <a:extLst>
+            <a:ext uri="{909E8E84-426E-40DD-AFC4-6F175D3DCCD1}">
+              <a14:hiddenFill xmlns:a14="http://schemas.microsoft.com/office/drawing/2010/main">
+                <a:solidFill>
+                  <a:schemeClr val="accent1"/>
+                </a:solidFill>
+              </a14:hiddenFill>
+            </a:ext>
+            <a:ext uri="{91240B29-F687-4F45-9708-019B960494DF}">
+              <a14:hiddenLine xmlns:a14="http://schemas.microsoft.com/office/drawing/2010/main" w="9525">
+                <a:solidFill>
+                  <a:schemeClr val="tx1"/>
+                </a:solidFill>
+                <a:miter lim="800000"/>
+                <a:headEnd/>
+                <a:tailEnd/>
+              </a14:hiddenLine>
+            </a:ext>
+          </a:extLst>
+        </p:spPr>
+      </p:pic>
     </p:spTree>
     <p:extLst>
       <p:ext uri="{BB962C8B-B14F-4D97-AF65-F5344CB8AC3E}">
-        <p14:creationId xmlns:p14="http://schemas.microsoft.com/office/powerpoint/2010/main" val="1314078381"/>
+        <p14:creationId xmlns:p14="http://schemas.microsoft.com/office/powerpoint/2010/main" val="2578069776"/>
       </p:ext>
     </p:extLst>
   </p:cSld>
@@ -11954,32 +12643,9 @@
             </a:br>
             <a:r>
               <a:rPr lang="fr-FR" sz="2400" dirty="0" smtClean="0"/>
-              <a:t>MIP secondaire : liaison glissière</a:t>
+              <a:t>MIP secondaire : liaison pivot</a:t>
             </a:r>
             <a:endParaRPr lang="fr-FR" sz="2400" dirty="0"/>
-          </a:p>
-        </p:txBody>
-      </p:sp>
-      <p:sp>
-        <p:nvSpPr>
-          <p:cNvPr id="3" name="Espace réservé du contenu 2"/>
-          <p:cNvSpPr>
-            <a:spLocks noGrp="1"/>
-          </p:cNvSpPr>
-          <p:nvPr>
-            <p:ph sz="quarter" idx="1"/>
-          </p:nvPr>
-        </p:nvSpPr>
-        <p:spPr/>
-        <p:txBody>
-          <a:bodyPr/>
-          <a:lstStyle/>
-          <a:p>
-            <a:r>
-              <a:rPr lang="fr-FR" dirty="0" smtClean="0"/>
-              <a:t>Clavetage</a:t>
-            </a:r>
-            <a:endParaRPr lang="fr-FR" dirty="0"/>
           </a:p>
         </p:txBody>
       </p:sp>
@@ -12030,10 +12696,66 @@
           </a:p>
         </p:txBody>
       </p:sp>
+      <p:pic>
+        <p:nvPicPr>
+          <p:cNvPr id="13314" name="Picture 2"/>
+          <p:cNvPicPr>
+            <a:picLocks noGrp="1" noChangeAspect="1" noChangeArrowheads="1"/>
+          </p:cNvPicPr>
+          <p:nvPr>
+            <p:ph sz="quarter" idx="1"/>
+          </p:nvPr>
+        </p:nvPicPr>
+        <p:blipFill>
+          <a:blip r:embed="rId2">
+            <a:extLst>
+              <a:ext uri="{28A0092B-C50C-407E-A947-70E740481C1C}">
+                <a14:useLocalDpi xmlns:a14="http://schemas.microsoft.com/office/drawing/2010/main" val="0"/>
+              </a:ext>
+            </a:extLst>
+          </a:blip>
+          <a:srcRect/>
+          <a:stretch>
+            <a:fillRect/>
+          </a:stretch>
+        </p:blipFill>
+        <p:spPr bwMode="auto">
+          <a:xfrm>
+            <a:off x="457200" y="1515278"/>
+            <a:ext cx="7467600" cy="4640244"/>
+          </a:xfrm>
+          <a:prstGeom prst="rect">
+            <a:avLst/>
+          </a:prstGeom>
+          <a:noFill/>
+          <a:ln>
+            <a:noFill/>
+          </a:ln>
+          <a:extLst>
+            <a:ext uri="{909E8E84-426E-40DD-AFC4-6F175D3DCCD1}">
+              <a14:hiddenFill xmlns:a14="http://schemas.microsoft.com/office/drawing/2010/main">
+                <a:solidFill>
+                  <a:schemeClr val="accent1"/>
+                </a:solidFill>
+              </a14:hiddenFill>
+            </a:ext>
+            <a:ext uri="{91240B29-F687-4F45-9708-019B960494DF}">
+              <a14:hiddenLine xmlns:a14="http://schemas.microsoft.com/office/drawing/2010/main" w="9525">
+                <a:solidFill>
+                  <a:schemeClr val="tx1"/>
+                </a:solidFill>
+                <a:miter lim="800000"/>
+                <a:headEnd/>
+                <a:tailEnd/>
+              </a14:hiddenLine>
+            </a:ext>
+          </a:extLst>
+        </p:spPr>
+      </p:pic>
     </p:spTree>
     <p:extLst>
       <p:ext uri="{BB962C8B-B14F-4D97-AF65-F5344CB8AC3E}">
-        <p14:creationId xmlns:p14="http://schemas.microsoft.com/office/powerpoint/2010/main" val="3849848145"/>
+        <p14:creationId xmlns:p14="http://schemas.microsoft.com/office/powerpoint/2010/main" val="1198102853"/>
       </p:ext>
     </p:extLst>
   </p:cSld>
@@ -12086,32 +12808,9 @@
             </a:br>
             <a:r>
               <a:rPr lang="fr-FR" sz="2400" dirty="0" smtClean="0"/>
-              <a:t>MIP secondaire : liaison glissière</a:t>
+              <a:t>MIP secondaire : liaison pivot</a:t>
             </a:r>
             <a:endParaRPr lang="fr-FR" sz="2400" dirty="0"/>
-          </a:p>
-        </p:txBody>
-      </p:sp>
-      <p:sp>
-        <p:nvSpPr>
-          <p:cNvPr id="3" name="Espace réservé du contenu 2"/>
-          <p:cNvSpPr>
-            <a:spLocks noGrp="1"/>
-          </p:cNvSpPr>
-          <p:nvPr>
-            <p:ph sz="quarter" idx="1"/>
-          </p:nvPr>
-        </p:nvSpPr>
-        <p:spPr/>
-        <p:txBody>
-          <a:bodyPr/>
-          <a:lstStyle/>
-          <a:p>
-            <a:r>
-              <a:rPr lang="fr-FR" dirty="0" smtClean="0"/>
-              <a:t>Cannelures</a:t>
-            </a:r>
-            <a:endParaRPr lang="fr-FR" dirty="0"/>
           </a:p>
         </p:txBody>
       </p:sp>
@@ -12162,10 +12861,174 @@
           </a:p>
         </p:txBody>
       </p:sp>
+      <p:pic>
+        <p:nvPicPr>
+          <p:cNvPr id="14338" name="Picture 2"/>
+          <p:cNvPicPr>
+            <a:picLocks noGrp="1" noChangeAspect="1" noChangeArrowheads="1"/>
+          </p:cNvPicPr>
+          <p:nvPr>
+            <p:ph sz="quarter" idx="1"/>
+          </p:nvPr>
+        </p:nvPicPr>
+        <p:blipFill>
+          <a:blip r:embed="rId2">
+            <a:extLst>
+              <a:ext uri="{28A0092B-C50C-407E-A947-70E740481C1C}">
+                <a14:useLocalDpi xmlns:a14="http://schemas.microsoft.com/office/drawing/2010/main" val="0"/>
+              </a:ext>
+            </a:extLst>
+          </a:blip>
+          <a:srcRect/>
+          <a:stretch>
+            <a:fillRect/>
+          </a:stretch>
+        </p:blipFill>
+        <p:spPr bwMode="auto">
+          <a:xfrm>
+            <a:off x="1835696" y="1124744"/>
+            <a:ext cx="4295775" cy="1695450"/>
+          </a:xfrm>
+          <a:prstGeom prst="rect">
+            <a:avLst/>
+          </a:prstGeom>
+          <a:noFill/>
+          <a:ln>
+            <a:noFill/>
+          </a:ln>
+          <a:extLst>
+            <a:ext uri="{909E8E84-426E-40DD-AFC4-6F175D3DCCD1}">
+              <a14:hiddenFill xmlns:a14="http://schemas.microsoft.com/office/drawing/2010/main">
+                <a:solidFill>
+                  <a:schemeClr val="accent1"/>
+                </a:solidFill>
+              </a14:hiddenFill>
+            </a:ext>
+            <a:ext uri="{91240B29-F687-4F45-9708-019B960494DF}">
+              <a14:hiddenLine xmlns:a14="http://schemas.microsoft.com/office/drawing/2010/main" w="9525">
+                <a:solidFill>
+                  <a:schemeClr val="tx1"/>
+                </a:solidFill>
+                <a:miter lim="800000"/>
+                <a:headEnd/>
+                <a:tailEnd/>
+              </a14:hiddenLine>
+            </a:ext>
+          </a:extLst>
+        </p:spPr>
+      </p:pic>
+      <p:pic>
+        <p:nvPicPr>
+          <p:cNvPr id="14339" name="Picture 3"/>
+          <p:cNvPicPr>
+            <a:picLocks noChangeAspect="1" noChangeArrowheads="1"/>
+          </p:cNvPicPr>
+          <p:nvPr/>
+        </p:nvPicPr>
+        <p:blipFill>
+          <a:blip r:embed="rId3">
+            <a:extLst>
+              <a:ext uri="{28A0092B-C50C-407E-A947-70E740481C1C}">
+                <a14:useLocalDpi xmlns:a14="http://schemas.microsoft.com/office/drawing/2010/main" val="0"/>
+              </a:ext>
+            </a:extLst>
+          </a:blip>
+          <a:srcRect/>
+          <a:stretch>
+            <a:fillRect/>
+          </a:stretch>
+        </p:blipFill>
+        <p:spPr bwMode="auto">
+          <a:xfrm>
+            <a:off x="823912" y="2906837"/>
+            <a:ext cx="7496175" cy="1019175"/>
+          </a:xfrm>
+          <a:prstGeom prst="rect">
+            <a:avLst/>
+          </a:prstGeom>
+          <a:noFill/>
+          <a:ln>
+            <a:noFill/>
+          </a:ln>
+          <a:extLst>
+            <a:ext uri="{909E8E84-426E-40DD-AFC4-6F175D3DCCD1}">
+              <a14:hiddenFill xmlns:a14="http://schemas.microsoft.com/office/drawing/2010/main">
+                <a:solidFill>
+                  <a:schemeClr val="accent1"/>
+                </a:solidFill>
+              </a14:hiddenFill>
+            </a:ext>
+            <a:ext uri="{91240B29-F687-4F45-9708-019B960494DF}">
+              <a14:hiddenLine xmlns:a14="http://schemas.microsoft.com/office/drawing/2010/main" w="9525">
+                <a:solidFill>
+                  <a:schemeClr val="tx1"/>
+                </a:solidFill>
+                <a:miter lim="800000"/>
+                <a:headEnd/>
+                <a:tailEnd/>
+              </a14:hiddenLine>
+            </a:ext>
+          </a:extLst>
+        </p:spPr>
+      </p:pic>
+      <p:pic>
+        <p:nvPicPr>
+          <p:cNvPr id="14340" name="Picture 4"/>
+          <p:cNvPicPr>
+            <a:picLocks noChangeAspect="1" noChangeArrowheads="1"/>
+          </p:cNvPicPr>
+          <p:nvPr/>
+        </p:nvPicPr>
+        <p:blipFill>
+          <a:blip r:embed="rId4">
+            <a:extLst>
+              <a:ext uri="{28A0092B-C50C-407E-A947-70E740481C1C}">
+                <a14:useLocalDpi xmlns:a14="http://schemas.microsoft.com/office/drawing/2010/main" val="0"/>
+              </a:ext>
+            </a:extLst>
+          </a:blip>
+          <a:srcRect/>
+          <a:stretch>
+            <a:fillRect/>
+          </a:stretch>
+        </p:blipFill>
+        <p:spPr bwMode="auto">
+          <a:xfrm>
+            <a:off x="1751560" y="4157662"/>
+            <a:ext cx="5640878" cy="2079649"/>
+          </a:xfrm>
+          <a:prstGeom prst="rect">
+            <a:avLst/>
+          </a:prstGeom>
+          <a:noFill/>
+          <a:ln>
+            <a:noFill/>
+          </a:ln>
+          <a:extLst>
+            <a:ext uri="{909E8E84-426E-40DD-AFC4-6F175D3DCCD1}">
+              <a14:hiddenFill xmlns:a14="http://schemas.microsoft.com/office/drawing/2010/main">
+                <a:solidFill>
+                  <a:schemeClr val="accent1"/>
+                </a:solidFill>
+              </a14:hiddenFill>
+            </a:ext>
+            <a:ext uri="{91240B29-F687-4F45-9708-019B960494DF}">
+              <a14:hiddenLine xmlns:a14="http://schemas.microsoft.com/office/drawing/2010/main" w="9525">
+                <a:solidFill>
+                  <a:schemeClr val="tx1"/>
+                </a:solidFill>
+                <a:miter lim="800000"/>
+                <a:headEnd/>
+                <a:tailEnd/>
+              </a14:hiddenLine>
+            </a:ext>
+          </a:extLst>
+        </p:spPr>
+      </p:pic>
     </p:spTree>
     <p:extLst>
       <p:ext uri="{BB962C8B-B14F-4D97-AF65-F5344CB8AC3E}">
-        <p14:creationId xmlns:p14="http://schemas.microsoft.com/office/powerpoint/2010/main" val="3879194606"/>
+        <p14:creationId xmlns:p14="http://schemas.microsoft.com/office/powerpoint/2010/main" val="4290816922"/>
       </p:ext>
     </p:extLst>
   </p:cSld>
@@ -12205,45 +13068,22 @@
         <p:spPr/>
         <p:txBody>
           <a:bodyPr>
-            <a:noAutofit/>
+            <a:normAutofit/>
           </a:bodyPr>
           <a:lstStyle/>
           <a:p>
             <a:r>
-              <a:rPr lang="fr-FR" sz="2400" dirty="0"/>
+              <a:rPr lang="fr-FR" sz="2400" dirty="0" smtClean="0"/>
               <a:t>Liaisons à contact cylindrique prépondérant</a:t>
             </a:r>
             <a:br>
-              <a:rPr lang="fr-FR" sz="2400" dirty="0"/>
+              <a:rPr lang="fr-FR" sz="2400" dirty="0" smtClean="0"/>
             </a:br>
             <a:r>
               <a:rPr lang="fr-FR" sz="2400" dirty="0" smtClean="0"/>
-              <a:t>MAP</a:t>
-            </a:r>
-            <a:endParaRPr lang="fr-FR" sz="2000" dirty="0"/>
-          </a:p>
-        </p:txBody>
-      </p:sp>
-      <p:sp>
-        <p:nvSpPr>
-          <p:cNvPr id="3" name="Espace réservé du contenu 2"/>
-          <p:cNvSpPr>
-            <a:spLocks noGrp="1"/>
-          </p:cNvSpPr>
-          <p:nvPr>
-            <p:ph sz="quarter" idx="1"/>
-          </p:nvPr>
-        </p:nvSpPr>
-        <p:spPr/>
-        <p:txBody>
-          <a:bodyPr/>
-          <a:lstStyle/>
-          <a:p>
-            <a:r>
-              <a:rPr lang="fr-FR" dirty="0" smtClean="0"/>
-              <a:t>Solutions de réglage – Pinçage</a:t>
-            </a:r>
-            <a:endParaRPr lang="fr-FR" dirty="0"/>
+              <a:t>MIP secondaire : liaison pivot</a:t>
+            </a:r>
+            <a:endParaRPr lang="fr-FR" sz="2400" dirty="0"/>
           </a:p>
         </p:txBody>
       </p:sp>
@@ -12294,10 +13134,118 @@
           </a:p>
         </p:txBody>
       </p:sp>
+      <p:pic>
+        <p:nvPicPr>
+          <p:cNvPr id="15362" name="Picture 2"/>
+          <p:cNvPicPr>
+            <a:picLocks noChangeAspect="1" noChangeArrowheads="1"/>
+          </p:cNvPicPr>
+          <p:nvPr/>
+        </p:nvPicPr>
+        <p:blipFill>
+          <a:blip r:embed="rId2">
+            <a:extLst>
+              <a:ext uri="{28A0092B-C50C-407E-A947-70E740481C1C}">
+                <a14:useLocalDpi xmlns:a14="http://schemas.microsoft.com/office/drawing/2010/main" val="0"/>
+              </a:ext>
+            </a:extLst>
+          </a:blip>
+          <a:srcRect/>
+          <a:stretch>
+            <a:fillRect/>
+          </a:stretch>
+        </p:blipFill>
+        <p:spPr bwMode="auto">
+          <a:xfrm>
+            <a:off x="971600" y="1340768"/>
+            <a:ext cx="6819900" cy="1657350"/>
+          </a:xfrm>
+          <a:prstGeom prst="rect">
+            <a:avLst/>
+          </a:prstGeom>
+          <a:noFill/>
+          <a:ln>
+            <a:noFill/>
+          </a:ln>
+          <a:extLst>
+            <a:ext uri="{909E8E84-426E-40DD-AFC4-6F175D3DCCD1}">
+              <a14:hiddenFill xmlns:a14="http://schemas.microsoft.com/office/drawing/2010/main">
+                <a:solidFill>
+                  <a:schemeClr val="accent1"/>
+                </a:solidFill>
+              </a14:hiddenFill>
+            </a:ext>
+            <a:ext uri="{91240B29-F687-4F45-9708-019B960494DF}">
+              <a14:hiddenLine xmlns:a14="http://schemas.microsoft.com/office/drawing/2010/main" w="9525">
+                <a:solidFill>
+                  <a:schemeClr val="tx1"/>
+                </a:solidFill>
+                <a:miter lim="800000"/>
+                <a:headEnd/>
+                <a:tailEnd/>
+              </a14:hiddenLine>
+            </a:ext>
+          </a:extLst>
+        </p:spPr>
+      </p:pic>
+      <p:pic>
+        <p:nvPicPr>
+          <p:cNvPr id="15363" name="Picture 3"/>
+          <p:cNvPicPr>
+            <a:picLocks noChangeAspect="1" noChangeArrowheads="1"/>
+          </p:cNvPicPr>
+          <p:nvPr/>
+        </p:nvPicPr>
+        <p:blipFill>
+          <a:blip r:embed="rId3">
+            <a:extLst>
+              <a:ext uri="{28A0092B-C50C-407E-A947-70E740481C1C}">
+                <a14:useLocalDpi xmlns:a14="http://schemas.microsoft.com/office/drawing/2010/main" val="0"/>
+              </a:ext>
+            </a:extLst>
+          </a:blip>
+          <a:srcRect/>
+          <a:stretch>
+            <a:fillRect/>
+          </a:stretch>
+        </p:blipFill>
+        <p:spPr bwMode="auto">
+          <a:xfrm>
+            <a:off x="1907704" y="3923726"/>
+            <a:ext cx="5362575" cy="1400175"/>
+          </a:xfrm>
+          <a:prstGeom prst="rect">
+            <a:avLst/>
+          </a:prstGeom>
+          <a:noFill/>
+          <a:ln>
+            <a:noFill/>
+          </a:ln>
+          <a:extLst>
+            <a:ext uri="{909E8E84-426E-40DD-AFC4-6F175D3DCCD1}">
+              <a14:hiddenFill xmlns:a14="http://schemas.microsoft.com/office/drawing/2010/main">
+                <a:solidFill>
+                  <a:schemeClr val="accent1"/>
+                </a:solidFill>
+              </a14:hiddenFill>
+            </a:ext>
+            <a:ext uri="{91240B29-F687-4F45-9708-019B960494DF}">
+              <a14:hiddenLine xmlns:a14="http://schemas.microsoft.com/office/drawing/2010/main" w="9525">
+                <a:solidFill>
+                  <a:schemeClr val="tx1"/>
+                </a:solidFill>
+                <a:miter lim="800000"/>
+                <a:headEnd/>
+                <a:tailEnd/>
+              </a14:hiddenLine>
+            </a:ext>
+          </a:extLst>
+        </p:spPr>
+      </p:pic>
     </p:spTree>
     <p:extLst>
       <p:ext uri="{BB962C8B-B14F-4D97-AF65-F5344CB8AC3E}">
-        <p14:creationId xmlns:p14="http://schemas.microsoft.com/office/powerpoint/2010/main" val="1328919230"/>
+        <p14:creationId xmlns:p14="http://schemas.microsoft.com/office/powerpoint/2010/main" val="326507402"/>
       </p:ext>
     </p:extLst>
   </p:cSld>
@@ -12337,22 +13285,22 @@
         <p:spPr/>
         <p:txBody>
           <a:bodyPr>
-            <a:noAutofit/>
+            <a:normAutofit/>
           </a:bodyPr>
           <a:lstStyle/>
           <a:p>
             <a:r>
-              <a:rPr lang="fr-FR" sz="2400" dirty="0"/>
+              <a:rPr lang="fr-FR" sz="2400" dirty="0" smtClean="0"/>
               <a:t>Liaisons à contact cylindrique prépondérant</a:t>
             </a:r>
             <a:br>
-              <a:rPr lang="fr-FR" sz="2400" dirty="0"/>
+              <a:rPr lang="fr-FR" sz="2400" dirty="0" smtClean="0"/>
             </a:br>
             <a:r>
               <a:rPr lang="fr-FR" sz="2400" dirty="0" smtClean="0"/>
-              <a:t>MAP</a:t>
-            </a:r>
-            <a:endParaRPr lang="fr-FR" sz="2000" dirty="0"/>
+              <a:t>MIP secondaire : liaison glissière</a:t>
+            </a:r>
+            <a:endParaRPr lang="fr-FR" sz="2400" dirty="0"/>
           </a:p>
         </p:txBody>
       </p:sp>
@@ -12373,7 +13321,7 @@
           <a:p>
             <a:r>
               <a:rPr lang="fr-FR" dirty="0" smtClean="0"/>
-              <a:t>Solutions de réglage – Pincement</a:t>
+              <a:t>Ligne courte</a:t>
             </a:r>
             <a:endParaRPr lang="fr-FR" dirty="0"/>
           </a:p>
@@ -12426,10 +13374,64 @@
           </a:p>
         </p:txBody>
       </p:sp>
+      <p:pic>
+        <p:nvPicPr>
+          <p:cNvPr id="16386" name="Picture 2"/>
+          <p:cNvPicPr>
+            <a:picLocks noChangeAspect="1" noChangeArrowheads="1"/>
+          </p:cNvPicPr>
+          <p:nvPr/>
+        </p:nvPicPr>
+        <p:blipFill>
+          <a:blip r:embed="rId2">
+            <a:extLst>
+              <a:ext uri="{28A0092B-C50C-407E-A947-70E740481C1C}">
+                <a14:useLocalDpi xmlns:a14="http://schemas.microsoft.com/office/drawing/2010/main" val="0"/>
+              </a:ext>
+            </a:extLst>
+          </a:blip>
+          <a:srcRect/>
+          <a:stretch>
+            <a:fillRect/>
+          </a:stretch>
+        </p:blipFill>
+        <p:spPr bwMode="auto">
+          <a:xfrm>
+            <a:off x="1719262" y="2204864"/>
+            <a:ext cx="5705475" cy="3819525"/>
+          </a:xfrm>
+          <a:prstGeom prst="rect">
+            <a:avLst/>
+          </a:prstGeom>
+          <a:noFill/>
+          <a:ln>
+            <a:noFill/>
+          </a:ln>
+          <a:extLst>
+            <a:ext uri="{909E8E84-426E-40DD-AFC4-6F175D3DCCD1}">
+              <a14:hiddenFill xmlns:a14="http://schemas.microsoft.com/office/drawing/2010/main">
+                <a:solidFill>
+                  <a:schemeClr val="accent1"/>
+                </a:solidFill>
+              </a14:hiddenFill>
+            </a:ext>
+            <a:ext uri="{91240B29-F687-4F45-9708-019B960494DF}">
+              <a14:hiddenLine xmlns:a14="http://schemas.microsoft.com/office/drawing/2010/main" w="9525">
+                <a:solidFill>
+                  <a:schemeClr val="tx1"/>
+                </a:solidFill>
+                <a:miter lim="800000"/>
+                <a:headEnd/>
+                <a:tailEnd/>
+              </a14:hiddenLine>
+            </a:ext>
+          </a:extLst>
+        </p:spPr>
+      </p:pic>
     </p:spTree>
     <p:extLst>
       <p:ext uri="{BB962C8B-B14F-4D97-AF65-F5344CB8AC3E}">
-        <p14:creationId xmlns:p14="http://schemas.microsoft.com/office/powerpoint/2010/main" val="131015325"/>
+        <p14:creationId xmlns:p14="http://schemas.microsoft.com/office/powerpoint/2010/main" val="1314078381"/>
       </p:ext>
     </p:extLst>
   </p:cSld>
@@ -12745,22 +13747,22 @@
         <p:spPr/>
         <p:txBody>
           <a:bodyPr>
-            <a:noAutofit/>
+            <a:normAutofit/>
           </a:bodyPr>
           <a:lstStyle/>
           <a:p>
             <a:r>
-              <a:rPr lang="fr-FR" sz="2400" dirty="0"/>
+              <a:rPr lang="fr-FR" sz="2400" dirty="0" smtClean="0"/>
               <a:t>Liaisons à contact cylindrique prépondérant</a:t>
             </a:r>
             <a:br>
-              <a:rPr lang="fr-FR" sz="2400" dirty="0"/>
+              <a:rPr lang="fr-FR" sz="2400" dirty="0" smtClean="0"/>
             </a:br>
             <a:r>
               <a:rPr lang="fr-FR" sz="2400" dirty="0" smtClean="0"/>
-              <a:t>MAP</a:t>
-            </a:r>
-            <a:endParaRPr lang="fr-FR" sz="2000" dirty="0"/>
+              <a:t>MIP secondaire : liaison glissière</a:t>
+            </a:r>
+            <a:endParaRPr lang="fr-FR" sz="2400" dirty="0"/>
           </a:p>
         </p:txBody>
       </p:sp>
@@ -12781,7 +13783,7 @@
           <a:p>
             <a:r>
               <a:rPr lang="fr-FR" dirty="0" smtClean="0"/>
-              <a:t>Solutions de réglage – Tampons tangents</a:t>
+              <a:t>Clavetage</a:t>
             </a:r>
             <a:endParaRPr lang="fr-FR" dirty="0"/>
           </a:p>
@@ -12834,10 +13836,118 @@
           </a:p>
         </p:txBody>
       </p:sp>
+      <p:pic>
+        <p:nvPicPr>
+          <p:cNvPr id="17410" name="Picture 2"/>
+          <p:cNvPicPr>
+            <a:picLocks noChangeAspect="1" noChangeArrowheads="1"/>
+          </p:cNvPicPr>
+          <p:nvPr/>
+        </p:nvPicPr>
+        <p:blipFill>
+          <a:blip r:embed="rId2">
+            <a:extLst>
+              <a:ext uri="{28A0092B-C50C-407E-A947-70E740481C1C}">
+                <a14:useLocalDpi xmlns:a14="http://schemas.microsoft.com/office/drawing/2010/main" val="0"/>
+              </a:ext>
+            </a:extLst>
+          </a:blip>
+          <a:srcRect/>
+          <a:stretch>
+            <a:fillRect/>
+          </a:stretch>
+        </p:blipFill>
+        <p:spPr bwMode="auto">
+          <a:xfrm>
+            <a:off x="1115616" y="1639193"/>
+            <a:ext cx="6534150" cy="1781175"/>
+          </a:xfrm>
+          <a:prstGeom prst="rect">
+            <a:avLst/>
+          </a:prstGeom>
+          <a:noFill/>
+          <a:ln>
+            <a:noFill/>
+          </a:ln>
+          <a:extLst>
+            <a:ext uri="{909E8E84-426E-40DD-AFC4-6F175D3DCCD1}">
+              <a14:hiddenFill xmlns:a14="http://schemas.microsoft.com/office/drawing/2010/main">
+                <a:solidFill>
+                  <a:schemeClr val="accent1"/>
+                </a:solidFill>
+              </a14:hiddenFill>
+            </a:ext>
+            <a:ext uri="{91240B29-F687-4F45-9708-019B960494DF}">
+              <a14:hiddenLine xmlns:a14="http://schemas.microsoft.com/office/drawing/2010/main" w="9525">
+                <a:solidFill>
+                  <a:schemeClr val="tx1"/>
+                </a:solidFill>
+                <a:miter lim="800000"/>
+                <a:headEnd/>
+                <a:tailEnd/>
+              </a14:hiddenLine>
+            </a:ext>
+          </a:extLst>
+        </p:spPr>
+      </p:pic>
+      <p:pic>
+        <p:nvPicPr>
+          <p:cNvPr id="17411" name="Picture 3"/>
+          <p:cNvPicPr>
+            <a:picLocks noChangeAspect="1" noChangeArrowheads="1"/>
+          </p:cNvPicPr>
+          <p:nvPr/>
+        </p:nvPicPr>
+        <p:blipFill>
+          <a:blip r:embed="rId3">
+            <a:extLst>
+              <a:ext uri="{28A0092B-C50C-407E-A947-70E740481C1C}">
+                <a14:useLocalDpi xmlns:a14="http://schemas.microsoft.com/office/drawing/2010/main" val="0"/>
+              </a:ext>
+            </a:extLst>
+          </a:blip>
+          <a:srcRect/>
+          <a:stretch>
+            <a:fillRect/>
+          </a:stretch>
+        </p:blipFill>
+        <p:spPr bwMode="auto">
+          <a:xfrm>
+            <a:off x="1909763" y="4077072"/>
+            <a:ext cx="5324475" cy="2038350"/>
+          </a:xfrm>
+          <a:prstGeom prst="rect">
+            <a:avLst/>
+          </a:prstGeom>
+          <a:noFill/>
+          <a:ln>
+            <a:noFill/>
+          </a:ln>
+          <a:extLst>
+            <a:ext uri="{909E8E84-426E-40DD-AFC4-6F175D3DCCD1}">
+              <a14:hiddenFill xmlns:a14="http://schemas.microsoft.com/office/drawing/2010/main">
+                <a:solidFill>
+                  <a:schemeClr val="accent1"/>
+                </a:solidFill>
+              </a14:hiddenFill>
+            </a:ext>
+            <a:ext uri="{91240B29-F687-4F45-9708-019B960494DF}">
+              <a14:hiddenLine xmlns:a14="http://schemas.microsoft.com/office/drawing/2010/main" w="9525">
+                <a:solidFill>
+                  <a:schemeClr val="tx1"/>
+                </a:solidFill>
+                <a:miter lim="800000"/>
+                <a:headEnd/>
+                <a:tailEnd/>
+              </a14:hiddenLine>
+            </a:ext>
+          </a:extLst>
+        </p:spPr>
+      </p:pic>
     </p:spTree>
     <p:extLst>
       <p:ext uri="{BB962C8B-B14F-4D97-AF65-F5344CB8AC3E}">
-        <p14:creationId xmlns:p14="http://schemas.microsoft.com/office/powerpoint/2010/main" val="1594147316"/>
+        <p14:creationId xmlns:p14="http://schemas.microsoft.com/office/powerpoint/2010/main" val="3849848145"/>
       </p:ext>
     </p:extLst>
   </p:cSld>
@@ -12877,22 +13987,22 @@
         <p:spPr/>
         <p:txBody>
           <a:bodyPr>
-            <a:noAutofit/>
+            <a:normAutofit/>
           </a:bodyPr>
           <a:lstStyle/>
           <a:p>
             <a:r>
-              <a:rPr lang="fr-FR" sz="2400" dirty="0"/>
+              <a:rPr lang="fr-FR" sz="2400" dirty="0" smtClean="0"/>
               <a:t>Liaisons à contact cylindrique prépondérant</a:t>
             </a:r>
             <a:br>
-              <a:rPr lang="fr-FR" sz="2400" dirty="0"/>
+              <a:rPr lang="fr-FR" sz="2400" dirty="0" smtClean="0"/>
             </a:br>
             <a:r>
               <a:rPr lang="fr-FR" sz="2400" dirty="0" smtClean="0"/>
-              <a:t>MAP</a:t>
-            </a:r>
-            <a:endParaRPr lang="fr-FR" sz="2000" dirty="0"/>
+              <a:t>MIP secondaire : liaison glissière</a:t>
+            </a:r>
+            <a:endParaRPr lang="fr-FR" sz="2400" dirty="0"/>
           </a:p>
         </p:txBody>
       </p:sp>
@@ -12913,7 +14023,7 @@
           <a:p>
             <a:r>
               <a:rPr lang="fr-FR" dirty="0" smtClean="0"/>
-              <a:t>Solutions de réglage – Vis de pression</a:t>
+              <a:t>Clavetage</a:t>
             </a:r>
             <a:endParaRPr lang="fr-FR" dirty="0"/>
           </a:p>
@@ -12966,10 +14076,64 @@
           </a:p>
         </p:txBody>
       </p:sp>
+      <p:pic>
+        <p:nvPicPr>
+          <p:cNvPr id="18434" name="Picture 2"/>
+          <p:cNvPicPr>
+            <a:picLocks noChangeAspect="1" noChangeArrowheads="1"/>
+          </p:cNvPicPr>
+          <p:nvPr/>
+        </p:nvPicPr>
+        <p:blipFill>
+          <a:blip r:embed="rId2">
+            <a:extLst>
+              <a:ext uri="{28A0092B-C50C-407E-A947-70E740481C1C}">
+                <a14:useLocalDpi xmlns:a14="http://schemas.microsoft.com/office/drawing/2010/main" val="0"/>
+              </a:ext>
+            </a:extLst>
+          </a:blip>
+          <a:srcRect/>
+          <a:stretch>
+            <a:fillRect/>
+          </a:stretch>
+        </p:blipFill>
+        <p:spPr bwMode="auto">
+          <a:xfrm>
+            <a:off x="1043608" y="1827857"/>
+            <a:ext cx="6773044" cy="4609925"/>
+          </a:xfrm>
+          <a:prstGeom prst="rect">
+            <a:avLst/>
+          </a:prstGeom>
+          <a:noFill/>
+          <a:ln>
+            <a:noFill/>
+          </a:ln>
+          <a:extLst>
+            <a:ext uri="{909E8E84-426E-40DD-AFC4-6F175D3DCCD1}">
+              <a14:hiddenFill xmlns:a14="http://schemas.microsoft.com/office/drawing/2010/main">
+                <a:solidFill>
+                  <a:schemeClr val="accent1"/>
+                </a:solidFill>
+              </a14:hiddenFill>
+            </a:ext>
+            <a:ext uri="{91240B29-F687-4F45-9708-019B960494DF}">
+              <a14:hiddenLine xmlns:a14="http://schemas.microsoft.com/office/drawing/2010/main" w="9525">
+                <a:solidFill>
+                  <a:schemeClr val="tx1"/>
+                </a:solidFill>
+                <a:miter lim="800000"/>
+                <a:headEnd/>
+                <a:tailEnd/>
+              </a14:hiddenLine>
+            </a:ext>
+          </a:extLst>
+        </p:spPr>
+      </p:pic>
     </p:spTree>
     <p:extLst>
       <p:ext uri="{BB962C8B-B14F-4D97-AF65-F5344CB8AC3E}">
-        <p14:creationId xmlns:p14="http://schemas.microsoft.com/office/powerpoint/2010/main" val="2110209248"/>
+        <p14:creationId xmlns:p14="http://schemas.microsoft.com/office/powerpoint/2010/main" val="2225172035"/>
       </p:ext>
     </p:extLst>
   </p:cSld>
@@ -13009,34 +14173,22 @@
         <p:spPr/>
         <p:txBody>
           <a:bodyPr>
-            <a:noAutofit/>
+            <a:normAutofit/>
           </a:bodyPr>
           <a:lstStyle/>
           <a:p>
             <a:r>
-              <a:rPr lang="fr-FR" sz="2400" dirty="0"/>
+              <a:rPr lang="fr-FR" sz="2400" dirty="0" smtClean="0"/>
               <a:t>Liaisons à contact cylindrique prépondérant</a:t>
             </a:r>
             <a:br>
-              <a:rPr lang="fr-FR" sz="2400" dirty="0"/>
+              <a:rPr lang="fr-FR" sz="2400" dirty="0" smtClean="0"/>
             </a:br>
             <a:r>
               <a:rPr lang="fr-FR" sz="2400" dirty="0" smtClean="0"/>
-              <a:t>MAP – S</a:t>
-            </a:r>
-            <a:r>
-              <a:rPr lang="fr-FR" sz="2000" dirty="0" smtClean="0"/>
-              <a:t>olutions </a:t>
-            </a:r>
-            <a:r>
-              <a:rPr lang="fr-FR" sz="2000" dirty="0"/>
-              <a:t>non </a:t>
-            </a:r>
-            <a:r>
-              <a:rPr lang="fr-FR" sz="2000" dirty="0" smtClean="0"/>
-              <a:t>réglables</a:t>
-            </a:r>
-            <a:endParaRPr lang="fr-FR" sz="2000" dirty="0"/>
+              <a:t>MIP secondaire : liaison glissière</a:t>
+            </a:r>
+            <a:endParaRPr lang="fr-FR" sz="2400" dirty="0"/>
           </a:p>
         </p:txBody>
       </p:sp>
@@ -13057,7 +14209,7 @@
           <a:p>
             <a:r>
               <a:rPr lang="fr-FR" dirty="0" smtClean="0"/>
-              <a:t>Assemblages de solutions élémentaires</a:t>
+              <a:t>Clavetage</a:t>
             </a:r>
             <a:endParaRPr lang="fr-FR" dirty="0"/>
           </a:p>
@@ -13110,10 +14262,118 @@
           </a:p>
         </p:txBody>
       </p:sp>
+      <p:pic>
+        <p:nvPicPr>
+          <p:cNvPr id="19458" name="Picture 2"/>
+          <p:cNvPicPr>
+            <a:picLocks noChangeAspect="1" noChangeArrowheads="1"/>
+          </p:cNvPicPr>
+          <p:nvPr/>
+        </p:nvPicPr>
+        <p:blipFill>
+          <a:blip r:embed="rId2">
+            <a:extLst>
+              <a:ext uri="{28A0092B-C50C-407E-A947-70E740481C1C}">
+                <a14:useLocalDpi xmlns:a14="http://schemas.microsoft.com/office/drawing/2010/main" val="0"/>
+              </a:ext>
+            </a:extLst>
+          </a:blip>
+          <a:srcRect/>
+          <a:stretch>
+            <a:fillRect/>
+          </a:stretch>
+        </p:blipFill>
+        <p:spPr bwMode="auto">
+          <a:xfrm>
+            <a:off x="909638" y="1772816"/>
+            <a:ext cx="7324725" cy="2457450"/>
+          </a:xfrm>
+          <a:prstGeom prst="rect">
+            <a:avLst/>
+          </a:prstGeom>
+          <a:noFill/>
+          <a:ln>
+            <a:noFill/>
+          </a:ln>
+          <a:extLst>
+            <a:ext uri="{909E8E84-426E-40DD-AFC4-6F175D3DCCD1}">
+              <a14:hiddenFill xmlns:a14="http://schemas.microsoft.com/office/drawing/2010/main">
+                <a:solidFill>
+                  <a:schemeClr val="accent1"/>
+                </a:solidFill>
+              </a14:hiddenFill>
+            </a:ext>
+            <a:ext uri="{91240B29-F687-4F45-9708-019B960494DF}">
+              <a14:hiddenLine xmlns:a14="http://schemas.microsoft.com/office/drawing/2010/main" w="9525">
+                <a:solidFill>
+                  <a:schemeClr val="tx1"/>
+                </a:solidFill>
+                <a:miter lim="800000"/>
+                <a:headEnd/>
+                <a:tailEnd/>
+              </a14:hiddenLine>
+            </a:ext>
+          </a:extLst>
+        </p:spPr>
+      </p:pic>
+      <p:pic>
+        <p:nvPicPr>
+          <p:cNvPr id="19459" name="Picture 3"/>
+          <p:cNvPicPr>
+            <a:picLocks noChangeAspect="1" noChangeArrowheads="1"/>
+          </p:cNvPicPr>
+          <p:nvPr/>
+        </p:nvPicPr>
+        <p:blipFill>
+          <a:blip r:embed="rId3">
+            <a:extLst>
+              <a:ext uri="{28A0092B-C50C-407E-A947-70E740481C1C}">
+                <a14:useLocalDpi xmlns:a14="http://schemas.microsoft.com/office/drawing/2010/main" val="0"/>
+              </a:ext>
+            </a:extLst>
+          </a:blip>
+          <a:srcRect/>
+          <a:stretch>
+            <a:fillRect/>
+          </a:stretch>
+        </p:blipFill>
+        <p:spPr bwMode="auto">
+          <a:xfrm>
+            <a:off x="1062038" y="4365104"/>
+            <a:ext cx="7172325" cy="1076325"/>
+          </a:xfrm>
+          <a:prstGeom prst="rect">
+            <a:avLst/>
+          </a:prstGeom>
+          <a:noFill/>
+          <a:ln>
+            <a:noFill/>
+          </a:ln>
+          <a:extLst>
+            <a:ext uri="{909E8E84-426E-40DD-AFC4-6F175D3DCCD1}">
+              <a14:hiddenFill xmlns:a14="http://schemas.microsoft.com/office/drawing/2010/main">
+                <a:solidFill>
+                  <a:schemeClr val="accent1"/>
+                </a:solidFill>
+              </a14:hiddenFill>
+            </a:ext>
+            <a:ext uri="{91240B29-F687-4F45-9708-019B960494DF}">
+              <a14:hiddenLine xmlns:a14="http://schemas.microsoft.com/office/drawing/2010/main" w="9525">
+                <a:solidFill>
+                  <a:schemeClr val="tx1"/>
+                </a:solidFill>
+                <a:miter lim="800000"/>
+                <a:headEnd/>
+                <a:tailEnd/>
+              </a14:hiddenLine>
+            </a:ext>
+          </a:extLst>
+        </p:spPr>
+      </p:pic>
     </p:spTree>
     <p:extLst>
       <p:ext uri="{BB962C8B-B14F-4D97-AF65-F5344CB8AC3E}">
-        <p14:creationId xmlns:p14="http://schemas.microsoft.com/office/powerpoint/2010/main" val="3814439774"/>
+        <p14:creationId xmlns:p14="http://schemas.microsoft.com/office/powerpoint/2010/main" val="3968258192"/>
       </p:ext>
     </p:extLst>
   </p:cSld>
@@ -13153,26 +14413,22 @@
         <p:spPr/>
         <p:txBody>
           <a:bodyPr>
-            <a:noAutofit/>
+            <a:normAutofit/>
           </a:bodyPr>
           <a:lstStyle/>
           <a:p>
             <a:r>
-              <a:rPr lang="fr-FR" sz="2400" dirty="0"/>
+              <a:rPr lang="fr-FR" sz="2400" dirty="0" smtClean="0"/>
               <a:t>Liaisons à contact cylindrique prépondérant</a:t>
             </a:r>
             <a:br>
-              <a:rPr lang="fr-FR" sz="2400" dirty="0"/>
+              <a:rPr lang="fr-FR" sz="2400" dirty="0" smtClean="0"/>
             </a:br>
             <a:r>
               <a:rPr lang="fr-FR" sz="2400" dirty="0" smtClean="0"/>
-              <a:t>MAP – S</a:t>
-            </a:r>
-            <a:r>
-              <a:rPr lang="fr-FR" sz="2000" dirty="0" smtClean="0"/>
-              <a:t>olutions non réglables</a:t>
-            </a:r>
-            <a:endParaRPr lang="fr-FR" sz="2000" dirty="0"/>
+              <a:t>MIP secondaire : liaison glissière</a:t>
+            </a:r>
+            <a:endParaRPr lang="fr-FR" sz="2400" dirty="0"/>
           </a:p>
         </p:txBody>
       </p:sp>
@@ -13193,7 +14449,7 @@
           <a:p>
             <a:r>
               <a:rPr lang="fr-FR" dirty="0" smtClean="0"/>
-              <a:t>Solutions spécifiques – Goupilles</a:t>
+              <a:t>Clavetage</a:t>
             </a:r>
             <a:endParaRPr lang="fr-FR" dirty="0"/>
           </a:p>
@@ -13246,10 +14502,64 @@
           </a:p>
         </p:txBody>
       </p:sp>
+      <p:pic>
+        <p:nvPicPr>
+          <p:cNvPr id="20482" name="Picture 2"/>
+          <p:cNvPicPr>
+            <a:picLocks noChangeAspect="1" noChangeArrowheads="1"/>
+          </p:cNvPicPr>
+          <p:nvPr/>
+        </p:nvPicPr>
+        <p:blipFill>
+          <a:blip r:embed="rId2">
+            <a:extLst>
+              <a:ext uri="{28A0092B-C50C-407E-A947-70E740481C1C}">
+                <a14:useLocalDpi xmlns:a14="http://schemas.microsoft.com/office/drawing/2010/main" val="0"/>
+              </a:ext>
+            </a:extLst>
+          </a:blip>
+          <a:srcRect/>
+          <a:stretch>
+            <a:fillRect/>
+          </a:stretch>
+        </p:blipFill>
+        <p:spPr bwMode="auto">
+          <a:xfrm>
+            <a:off x="1547664" y="2204864"/>
+            <a:ext cx="5837094" cy="1862311"/>
+          </a:xfrm>
+          <a:prstGeom prst="rect">
+            <a:avLst/>
+          </a:prstGeom>
+          <a:noFill/>
+          <a:ln>
+            <a:noFill/>
+          </a:ln>
+          <a:extLst>
+            <a:ext uri="{909E8E84-426E-40DD-AFC4-6F175D3DCCD1}">
+              <a14:hiddenFill xmlns:a14="http://schemas.microsoft.com/office/drawing/2010/main">
+                <a:solidFill>
+                  <a:schemeClr val="accent1"/>
+                </a:solidFill>
+              </a14:hiddenFill>
+            </a:ext>
+            <a:ext uri="{91240B29-F687-4F45-9708-019B960494DF}">
+              <a14:hiddenLine xmlns:a14="http://schemas.microsoft.com/office/drawing/2010/main" w="9525">
+                <a:solidFill>
+                  <a:schemeClr val="tx1"/>
+                </a:solidFill>
+                <a:miter lim="800000"/>
+                <a:headEnd/>
+                <a:tailEnd/>
+              </a14:hiddenLine>
+            </a:ext>
+          </a:extLst>
+        </p:spPr>
+      </p:pic>
     </p:spTree>
     <p:extLst>
       <p:ext uri="{BB962C8B-B14F-4D97-AF65-F5344CB8AC3E}">
-        <p14:creationId xmlns:p14="http://schemas.microsoft.com/office/powerpoint/2010/main" val="490623841"/>
+        <p14:creationId xmlns:p14="http://schemas.microsoft.com/office/powerpoint/2010/main" val="1728006328"/>
       </p:ext>
     </p:extLst>
   </p:cSld>
@@ -13289,26 +14599,22 @@
         <p:spPr/>
         <p:txBody>
           <a:bodyPr>
-            <a:noAutofit/>
+            <a:normAutofit/>
           </a:bodyPr>
           <a:lstStyle/>
           <a:p>
             <a:r>
-              <a:rPr lang="fr-FR" sz="2400" dirty="0"/>
+              <a:rPr lang="fr-FR" sz="2400" dirty="0" smtClean="0"/>
               <a:t>Liaisons à contact cylindrique prépondérant</a:t>
             </a:r>
             <a:br>
-              <a:rPr lang="fr-FR" sz="2400" dirty="0"/>
+              <a:rPr lang="fr-FR" sz="2400" dirty="0" smtClean="0"/>
             </a:br>
             <a:r>
               <a:rPr lang="fr-FR" sz="2400" dirty="0" smtClean="0"/>
-              <a:t>MAP – S</a:t>
-            </a:r>
-            <a:r>
-              <a:rPr lang="fr-FR" sz="2000" dirty="0" smtClean="0"/>
-              <a:t>olutions non réglables</a:t>
-            </a:r>
-            <a:endParaRPr lang="fr-FR" sz="2000" dirty="0"/>
+              <a:t>MIP secondaire : liaison glissière</a:t>
+            </a:r>
+            <a:endParaRPr lang="fr-FR" sz="2400" dirty="0"/>
           </a:p>
         </p:txBody>
       </p:sp>
@@ -13329,11 +14635,7 @@
           <a:p>
             <a:r>
               <a:rPr lang="fr-FR" dirty="0" smtClean="0"/>
-              <a:t>Solutions spécifiques – Vis </a:t>
-            </a:r>
-            <a:r>
-              <a:rPr lang="fr-FR" smtClean="0"/>
-              <a:t>de pression</a:t>
+              <a:t>Cannelures</a:t>
             </a:r>
             <a:endParaRPr lang="fr-FR" dirty="0"/>
           </a:p>
@@ -13386,10 +14688,1122 @@
           </a:p>
         </p:txBody>
       </p:sp>
+      <p:pic>
+        <p:nvPicPr>
+          <p:cNvPr id="21506" name="Picture 2"/>
+          <p:cNvPicPr>
+            <a:picLocks noChangeAspect="1" noChangeArrowheads="1"/>
+          </p:cNvPicPr>
+          <p:nvPr/>
+        </p:nvPicPr>
+        <p:blipFill>
+          <a:blip r:embed="rId2">
+            <a:extLst>
+              <a:ext uri="{28A0092B-C50C-407E-A947-70E740481C1C}">
+                <a14:useLocalDpi xmlns:a14="http://schemas.microsoft.com/office/drawing/2010/main" val="0"/>
+              </a:ext>
+            </a:extLst>
+          </a:blip>
+          <a:srcRect/>
+          <a:stretch>
+            <a:fillRect/>
+          </a:stretch>
+        </p:blipFill>
+        <p:spPr bwMode="auto">
+          <a:xfrm>
+            <a:off x="467544" y="2060848"/>
+            <a:ext cx="7629525" cy="1266825"/>
+          </a:xfrm>
+          <a:prstGeom prst="rect">
+            <a:avLst/>
+          </a:prstGeom>
+          <a:noFill/>
+          <a:ln>
+            <a:noFill/>
+          </a:ln>
+          <a:extLst>
+            <a:ext uri="{909E8E84-426E-40DD-AFC4-6F175D3DCCD1}">
+              <a14:hiddenFill xmlns:a14="http://schemas.microsoft.com/office/drawing/2010/main">
+                <a:solidFill>
+                  <a:schemeClr val="accent1"/>
+                </a:solidFill>
+              </a14:hiddenFill>
+            </a:ext>
+            <a:ext uri="{91240B29-F687-4F45-9708-019B960494DF}">
+              <a14:hiddenLine xmlns:a14="http://schemas.microsoft.com/office/drawing/2010/main" w="9525">
+                <a:solidFill>
+                  <a:schemeClr val="tx1"/>
+                </a:solidFill>
+                <a:miter lim="800000"/>
+                <a:headEnd/>
+                <a:tailEnd/>
+              </a14:hiddenLine>
+            </a:ext>
+          </a:extLst>
+        </p:spPr>
+      </p:pic>
     </p:spTree>
     <p:extLst>
       <p:ext uri="{BB962C8B-B14F-4D97-AF65-F5344CB8AC3E}">
-        <p14:creationId xmlns:p14="http://schemas.microsoft.com/office/powerpoint/2010/main" val="3875723414"/>
+        <p14:creationId xmlns:p14="http://schemas.microsoft.com/office/powerpoint/2010/main" val="3879194606"/>
+      </p:ext>
+    </p:extLst>
+  </p:cSld>
+  <p:clrMapOvr>
+    <a:masterClrMapping/>
+  </p:clrMapOvr>
+</p:sld>
+</file>
+
+<file path=ppt/slides/slide25.xml><?xml version="1.0" encoding="utf-8"?>
+<p:sld xmlns:a="http://schemas.openxmlformats.org/drawingml/2006/main" xmlns:r="http://schemas.openxmlformats.org/officeDocument/2006/relationships" xmlns:p="http://schemas.openxmlformats.org/presentationml/2006/main">
+  <p:cSld>
+    <p:spTree>
+      <p:nvGrpSpPr>
+        <p:cNvPr id="1" name=""/>
+        <p:cNvGrpSpPr/>
+        <p:nvPr/>
+      </p:nvGrpSpPr>
+      <p:grpSpPr>
+        <a:xfrm>
+          <a:off x="0" y="0"/>
+          <a:ext cx="0" cy="0"/>
+          <a:chOff x="0" y="0"/>
+          <a:chExt cx="0" cy="0"/>
+        </a:xfrm>
+      </p:grpSpPr>
+      <p:sp>
+        <p:nvSpPr>
+          <p:cNvPr id="2" name="Titre 1"/>
+          <p:cNvSpPr>
+            <a:spLocks noGrp="1"/>
+          </p:cNvSpPr>
+          <p:nvPr>
+            <p:ph type="title"/>
+          </p:nvPr>
+        </p:nvSpPr>
+        <p:spPr/>
+        <p:txBody>
+          <a:bodyPr>
+            <a:noAutofit/>
+          </a:bodyPr>
+          <a:lstStyle/>
+          <a:p>
+            <a:r>
+              <a:rPr lang="fr-FR" sz="2400" dirty="0"/>
+              <a:t>Liaisons à contact cylindrique prépondérant</a:t>
+            </a:r>
+            <a:br>
+              <a:rPr lang="fr-FR" sz="2400" dirty="0"/>
+            </a:br>
+            <a:r>
+              <a:rPr lang="fr-FR" sz="2400" dirty="0" smtClean="0"/>
+              <a:t>MAP</a:t>
+            </a:r>
+            <a:endParaRPr lang="fr-FR" sz="2000" dirty="0"/>
+          </a:p>
+        </p:txBody>
+      </p:sp>
+      <p:sp>
+        <p:nvSpPr>
+          <p:cNvPr id="3" name="Espace réservé du contenu 2"/>
+          <p:cNvSpPr>
+            <a:spLocks noGrp="1"/>
+          </p:cNvSpPr>
+          <p:nvPr>
+            <p:ph sz="quarter" idx="1"/>
+          </p:nvPr>
+        </p:nvSpPr>
+        <p:spPr/>
+        <p:txBody>
+          <a:bodyPr/>
+          <a:lstStyle/>
+          <a:p>
+            <a:r>
+              <a:rPr lang="fr-FR" dirty="0" smtClean="0"/>
+              <a:t>Solutions de réglage – </a:t>
+            </a:r>
+            <a:r>
+              <a:rPr lang="fr-FR" dirty="0"/>
+              <a:t>Pincement</a:t>
+            </a:r>
+            <a:endParaRPr lang="fr-FR" dirty="0"/>
+          </a:p>
+        </p:txBody>
+      </p:sp>
+      <p:sp>
+        <p:nvSpPr>
+          <p:cNvPr id="4" name="Espace réservé du numéro de diapositive 3"/>
+          <p:cNvSpPr>
+            <a:spLocks noGrp="1"/>
+          </p:cNvSpPr>
+          <p:nvPr>
+            <p:ph type="sldNum" sz="quarter" idx="15"/>
+          </p:nvPr>
+        </p:nvSpPr>
+        <p:spPr/>
+        <p:txBody>
+          <a:bodyPr/>
+          <a:lstStyle/>
+          <a:p>
+            <a:fld id="{CF4668DC-857F-487D-BFFA-8C0CA5037977}" type="slidenum">
+              <a:rPr lang="fr-BE" smtClean="0"/>
+              <a:pPr/>
+              <a:t>25</a:t>
+            </a:fld>
+            <a:endParaRPr lang="fr-BE"/>
+          </a:p>
+        </p:txBody>
+      </p:sp>
+      <p:sp>
+        <p:nvSpPr>
+          <p:cNvPr id="5" name="Espace réservé du pied de page 4"/>
+          <p:cNvSpPr>
+            <a:spLocks noGrp="1"/>
+          </p:cNvSpPr>
+          <p:nvPr>
+            <p:ph type="ftr" sz="quarter" idx="16"/>
+          </p:nvPr>
+        </p:nvSpPr>
+        <p:spPr/>
+        <p:txBody>
+          <a:bodyPr/>
+          <a:lstStyle/>
+          <a:p>
+            <a:r>
+              <a:rPr lang="fr-BE" smtClean="0"/>
+              <a:t>Xavier Pessoles - Jean-Pierre Pupier</a:t>
+            </a:r>
+            <a:endParaRPr lang="fr-BE"/>
+          </a:p>
+        </p:txBody>
+      </p:sp>
+      <p:pic>
+        <p:nvPicPr>
+          <p:cNvPr id="22530" name="Picture 2"/>
+          <p:cNvPicPr>
+            <a:picLocks noChangeAspect="1" noChangeArrowheads="1"/>
+          </p:cNvPicPr>
+          <p:nvPr/>
+        </p:nvPicPr>
+        <p:blipFill>
+          <a:blip r:embed="rId2">
+            <a:extLst>
+              <a:ext uri="{28A0092B-C50C-407E-A947-70E740481C1C}">
+                <a14:useLocalDpi xmlns:a14="http://schemas.microsoft.com/office/drawing/2010/main" val="0"/>
+              </a:ext>
+            </a:extLst>
+          </a:blip>
+          <a:srcRect/>
+          <a:stretch>
+            <a:fillRect/>
+          </a:stretch>
+        </p:blipFill>
+        <p:spPr bwMode="auto">
+          <a:xfrm>
+            <a:off x="1475656" y="1772816"/>
+            <a:ext cx="6000750" cy="2047875"/>
+          </a:xfrm>
+          <a:prstGeom prst="rect">
+            <a:avLst/>
+          </a:prstGeom>
+          <a:noFill/>
+          <a:ln>
+            <a:noFill/>
+          </a:ln>
+          <a:extLst>
+            <a:ext uri="{909E8E84-426E-40DD-AFC4-6F175D3DCCD1}">
+              <a14:hiddenFill xmlns:a14="http://schemas.microsoft.com/office/drawing/2010/main">
+                <a:solidFill>
+                  <a:schemeClr val="accent1"/>
+                </a:solidFill>
+              </a14:hiddenFill>
+            </a:ext>
+            <a:ext uri="{91240B29-F687-4F45-9708-019B960494DF}">
+              <a14:hiddenLine xmlns:a14="http://schemas.microsoft.com/office/drawing/2010/main" w="9525">
+                <a:solidFill>
+                  <a:schemeClr val="tx1"/>
+                </a:solidFill>
+                <a:miter lim="800000"/>
+                <a:headEnd/>
+                <a:tailEnd/>
+              </a14:hiddenLine>
+            </a:ext>
+          </a:extLst>
+        </p:spPr>
+      </p:pic>
+      <p:pic>
+        <p:nvPicPr>
+          <p:cNvPr id="22531" name="Picture 3"/>
+          <p:cNvPicPr>
+            <a:picLocks noChangeAspect="1" noChangeArrowheads="1"/>
+          </p:cNvPicPr>
+          <p:nvPr/>
+        </p:nvPicPr>
+        <p:blipFill>
+          <a:blip r:embed="rId3">
+            <a:extLst>
+              <a:ext uri="{28A0092B-C50C-407E-A947-70E740481C1C}">
+                <a14:useLocalDpi xmlns:a14="http://schemas.microsoft.com/office/drawing/2010/main" val="0"/>
+              </a:ext>
+            </a:extLst>
+          </a:blip>
+          <a:srcRect/>
+          <a:stretch>
+            <a:fillRect/>
+          </a:stretch>
+        </p:blipFill>
+        <p:spPr bwMode="auto">
+          <a:xfrm>
+            <a:off x="1504231" y="4077072"/>
+            <a:ext cx="5972175" cy="1676400"/>
+          </a:xfrm>
+          <a:prstGeom prst="rect">
+            <a:avLst/>
+          </a:prstGeom>
+          <a:noFill/>
+          <a:ln>
+            <a:noFill/>
+          </a:ln>
+          <a:extLst>
+            <a:ext uri="{909E8E84-426E-40DD-AFC4-6F175D3DCCD1}">
+              <a14:hiddenFill xmlns:a14="http://schemas.microsoft.com/office/drawing/2010/main">
+                <a:solidFill>
+                  <a:schemeClr val="accent1"/>
+                </a:solidFill>
+              </a14:hiddenFill>
+            </a:ext>
+            <a:ext uri="{91240B29-F687-4F45-9708-019B960494DF}">
+              <a14:hiddenLine xmlns:a14="http://schemas.microsoft.com/office/drawing/2010/main" w="9525">
+                <a:solidFill>
+                  <a:schemeClr val="tx1"/>
+                </a:solidFill>
+                <a:miter lim="800000"/>
+                <a:headEnd/>
+                <a:tailEnd/>
+              </a14:hiddenLine>
+            </a:ext>
+          </a:extLst>
+        </p:spPr>
+      </p:pic>
+    </p:spTree>
+    <p:extLst>
+      <p:ext uri="{BB962C8B-B14F-4D97-AF65-F5344CB8AC3E}">
+        <p14:creationId xmlns:p14="http://schemas.microsoft.com/office/powerpoint/2010/main" val="1328919230"/>
+      </p:ext>
+    </p:extLst>
+  </p:cSld>
+  <p:clrMapOvr>
+    <a:masterClrMapping/>
+  </p:clrMapOvr>
+</p:sld>
+</file>
+
+<file path=ppt/slides/slide26.xml><?xml version="1.0" encoding="utf-8"?>
+<p:sld xmlns:a="http://schemas.openxmlformats.org/drawingml/2006/main" xmlns:r="http://schemas.openxmlformats.org/officeDocument/2006/relationships" xmlns:p="http://schemas.openxmlformats.org/presentationml/2006/main">
+  <p:cSld>
+    <p:spTree>
+      <p:nvGrpSpPr>
+        <p:cNvPr id="1" name=""/>
+        <p:cNvGrpSpPr/>
+        <p:nvPr/>
+      </p:nvGrpSpPr>
+      <p:grpSpPr>
+        <a:xfrm>
+          <a:off x="0" y="0"/>
+          <a:ext cx="0" cy="0"/>
+          <a:chOff x="0" y="0"/>
+          <a:chExt cx="0" cy="0"/>
+        </a:xfrm>
+      </p:grpSpPr>
+      <p:sp>
+        <p:nvSpPr>
+          <p:cNvPr id="2" name="Titre 1"/>
+          <p:cNvSpPr>
+            <a:spLocks noGrp="1"/>
+          </p:cNvSpPr>
+          <p:nvPr>
+            <p:ph type="title"/>
+          </p:nvPr>
+        </p:nvSpPr>
+        <p:spPr/>
+        <p:txBody>
+          <a:bodyPr>
+            <a:noAutofit/>
+          </a:bodyPr>
+          <a:lstStyle/>
+          <a:p>
+            <a:r>
+              <a:rPr lang="fr-FR" sz="2400" dirty="0"/>
+              <a:t>Liaisons à contact cylindrique prépondérant</a:t>
+            </a:r>
+            <a:br>
+              <a:rPr lang="fr-FR" sz="2400" dirty="0"/>
+            </a:br>
+            <a:r>
+              <a:rPr lang="fr-FR" sz="2400" dirty="0" smtClean="0"/>
+              <a:t>MAP</a:t>
+            </a:r>
+            <a:endParaRPr lang="fr-FR" sz="2000" dirty="0"/>
+          </a:p>
+        </p:txBody>
+      </p:sp>
+      <p:sp>
+        <p:nvSpPr>
+          <p:cNvPr id="3" name="Espace réservé du contenu 2"/>
+          <p:cNvSpPr>
+            <a:spLocks noGrp="1"/>
+          </p:cNvSpPr>
+          <p:nvPr>
+            <p:ph sz="quarter" idx="1"/>
+          </p:nvPr>
+        </p:nvSpPr>
+        <p:spPr/>
+        <p:txBody>
+          <a:bodyPr/>
+          <a:lstStyle/>
+          <a:p>
+            <a:r>
+              <a:rPr lang="fr-FR" dirty="0" smtClean="0"/>
+              <a:t>Solutions de réglage – </a:t>
+            </a:r>
+            <a:r>
+              <a:rPr lang="fr-FR" dirty="0"/>
+              <a:t>Pincement</a:t>
+            </a:r>
+            <a:endParaRPr lang="fr-FR" dirty="0"/>
+          </a:p>
+        </p:txBody>
+      </p:sp>
+      <p:sp>
+        <p:nvSpPr>
+          <p:cNvPr id="4" name="Espace réservé du numéro de diapositive 3"/>
+          <p:cNvSpPr>
+            <a:spLocks noGrp="1"/>
+          </p:cNvSpPr>
+          <p:nvPr>
+            <p:ph type="sldNum" sz="quarter" idx="15"/>
+          </p:nvPr>
+        </p:nvSpPr>
+        <p:spPr/>
+        <p:txBody>
+          <a:bodyPr/>
+          <a:lstStyle/>
+          <a:p>
+            <a:fld id="{CF4668DC-857F-487D-BFFA-8C0CA5037977}" type="slidenum">
+              <a:rPr lang="fr-BE" smtClean="0"/>
+              <a:pPr/>
+              <a:t>26</a:t>
+            </a:fld>
+            <a:endParaRPr lang="fr-BE"/>
+          </a:p>
+        </p:txBody>
+      </p:sp>
+      <p:sp>
+        <p:nvSpPr>
+          <p:cNvPr id="5" name="Espace réservé du pied de page 4"/>
+          <p:cNvSpPr>
+            <a:spLocks noGrp="1"/>
+          </p:cNvSpPr>
+          <p:nvPr>
+            <p:ph type="ftr" sz="quarter" idx="16"/>
+          </p:nvPr>
+        </p:nvSpPr>
+        <p:spPr/>
+        <p:txBody>
+          <a:bodyPr/>
+          <a:lstStyle/>
+          <a:p>
+            <a:r>
+              <a:rPr lang="fr-BE" smtClean="0"/>
+              <a:t>Xavier Pessoles - Jean-Pierre Pupier</a:t>
+            </a:r>
+            <a:endParaRPr lang="fr-BE"/>
+          </a:p>
+        </p:txBody>
+      </p:sp>
+      <p:pic>
+        <p:nvPicPr>
+          <p:cNvPr id="23554" name="Picture 2"/>
+          <p:cNvPicPr>
+            <a:picLocks noChangeAspect="1" noChangeArrowheads="1"/>
+          </p:cNvPicPr>
+          <p:nvPr/>
+        </p:nvPicPr>
+        <p:blipFill>
+          <a:blip r:embed="rId2">
+            <a:extLst>
+              <a:ext uri="{28A0092B-C50C-407E-A947-70E740481C1C}">
+                <a14:useLocalDpi xmlns:a14="http://schemas.microsoft.com/office/drawing/2010/main" val="0"/>
+              </a:ext>
+            </a:extLst>
+          </a:blip>
+          <a:srcRect/>
+          <a:stretch>
+            <a:fillRect/>
+          </a:stretch>
+        </p:blipFill>
+        <p:spPr bwMode="auto">
+          <a:xfrm>
+            <a:off x="323528" y="1844824"/>
+            <a:ext cx="7746298" cy="4317107"/>
+          </a:xfrm>
+          <a:prstGeom prst="rect">
+            <a:avLst/>
+          </a:prstGeom>
+          <a:noFill/>
+          <a:ln>
+            <a:noFill/>
+          </a:ln>
+          <a:extLst>
+            <a:ext uri="{909E8E84-426E-40DD-AFC4-6F175D3DCCD1}">
+              <a14:hiddenFill xmlns:a14="http://schemas.microsoft.com/office/drawing/2010/main">
+                <a:solidFill>
+                  <a:schemeClr val="accent1"/>
+                </a:solidFill>
+              </a14:hiddenFill>
+            </a:ext>
+            <a:ext uri="{91240B29-F687-4F45-9708-019B960494DF}">
+              <a14:hiddenLine xmlns:a14="http://schemas.microsoft.com/office/drawing/2010/main" w="9525">
+                <a:solidFill>
+                  <a:schemeClr val="tx1"/>
+                </a:solidFill>
+                <a:miter lim="800000"/>
+                <a:headEnd/>
+                <a:tailEnd/>
+              </a14:hiddenLine>
+            </a:ext>
+          </a:extLst>
+        </p:spPr>
+      </p:pic>
+    </p:spTree>
+    <p:extLst>
+      <p:ext uri="{BB962C8B-B14F-4D97-AF65-F5344CB8AC3E}">
+        <p14:creationId xmlns:p14="http://schemas.microsoft.com/office/powerpoint/2010/main" val="3850802594"/>
+      </p:ext>
+    </p:extLst>
+  </p:cSld>
+  <p:clrMapOvr>
+    <a:masterClrMapping/>
+  </p:clrMapOvr>
+</p:sld>
+</file>
+
+<file path=ppt/slides/slide27.xml><?xml version="1.0" encoding="utf-8"?>
+<p:sld xmlns:a="http://schemas.openxmlformats.org/drawingml/2006/main" xmlns:r="http://schemas.openxmlformats.org/officeDocument/2006/relationships" xmlns:p="http://schemas.openxmlformats.org/presentationml/2006/main">
+  <p:cSld>
+    <p:spTree>
+      <p:nvGrpSpPr>
+        <p:cNvPr id="1" name=""/>
+        <p:cNvGrpSpPr/>
+        <p:nvPr/>
+      </p:nvGrpSpPr>
+      <p:grpSpPr>
+        <a:xfrm>
+          <a:off x="0" y="0"/>
+          <a:ext cx="0" cy="0"/>
+          <a:chOff x="0" y="0"/>
+          <a:chExt cx="0" cy="0"/>
+        </a:xfrm>
+      </p:grpSpPr>
+      <p:sp>
+        <p:nvSpPr>
+          <p:cNvPr id="2" name="Titre 1"/>
+          <p:cNvSpPr>
+            <a:spLocks noGrp="1"/>
+          </p:cNvSpPr>
+          <p:nvPr>
+            <p:ph type="title"/>
+          </p:nvPr>
+        </p:nvSpPr>
+        <p:spPr/>
+        <p:txBody>
+          <a:bodyPr>
+            <a:noAutofit/>
+          </a:bodyPr>
+          <a:lstStyle/>
+          <a:p>
+            <a:r>
+              <a:rPr lang="fr-FR" sz="2400" dirty="0"/>
+              <a:t>Liaisons à contact cylindrique prépondérant</a:t>
+            </a:r>
+            <a:br>
+              <a:rPr lang="fr-FR" sz="2400" dirty="0"/>
+            </a:br>
+            <a:r>
+              <a:rPr lang="fr-FR" sz="2400" dirty="0" smtClean="0"/>
+              <a:t>MAP</a:t>
+            </a:r>
+            <a:endParaRPr lang="fr-FR" sz="2000" dirty="0"/>
+          </a:p>
+        </p:txBody>
+      </p:sp>
+      <p:sp>
+        <p:nvSpPr>
+          <p:cNvPr id="3" name="Espace réservé du contenu 2"/>
+          <p:cNvSpPr>
+            <a:spLocks noGrp="1"/>
+          </p:cNvSpPr>
+          <p:nvPr>
+            <p:ph sz="quarter" idx="1"/>
+          </p:nvPr>
+        </p:nvSpPr>
+        <p:spPr/>
+        <p:txBody>
+          <a:bodyPr/>
+          <a:lstStyle/>
+          <a:p>
+            <a:r>
+              <a:rPr lang="fr-FR" dirty="0" smtClean="0"/>
+              <a:t>Solutions de réglage – Tampons tangents</a:t>
+            </a:r>
+            <a:endParaRPr lang="fr-FR" dirty="0"/>
+          </a:p>
+        </p:txBody>
+      </p:sp>
+      <p:sp>
+        <p:nvSpPr>
+          <p:cNvPr id="4" name="Espace réservé du numéro de diapositive 3"/>
+          <p:cNvSpPr>
+            <a:spLocks noGrp="1"/>
+          </p:cNvSpPr>
+          <p:nvPr>
+            <p:ph type="sldNum" sz="quarter" idx="15"/>
+          </p:nvPr>
+        </p:nvSpPr>
+        <p:spPr/>
+        <p:txBody>
+          <a:bodyPr/>
+          <a:lstStyle/>
+          <a:p>
+            <a:fld id="{CF4668DC-857F-487D-BFFA-8C0CA5037977}" type="slidenum">
+              <a:rPr lang="fr-BE" smtClean="0"/>
+              <a:pPr/>
+              <a:t>27</a:t>
+            </a:fld>
+            <a:endParaRPr lang="fr-BE"/>
+          </a:p>
+        </p:txBody>
+      </p:sp>
+      <p:sp>
+        <p:nvSpPr>
+          <p:cNvPr id="5" name="Espace réservé du pied de page 4"/>
+          <p:cNvSpPr>
+            <a:spLocks noGrp="1"/>
+          </p:cNvSpPr>
+          <p:nvPr>
+            <p:ph type="ftr" sz="quarter" idx="16"/>
+          </p:nvPr>
+        </p:nvSpPr>
+        <p:spPr/>
+        <p:txBody>
+          <a:bodyPr/>
+          <a:lstStyle/>
+          <a:p>
+            <a:r>
+              <a:rPr lang="fr-BE" smtClean="0"/>
+              <a:t>Xavier Pessoles - Jean-Pierre Pupier</a:t>
+            </a:r>
+            <a:endParaRPr lang="fr-BE"/>
+          </a:p>
+        </p:txBody>
+      </p:sp>
+      <p:pic>
+        <p:nvPicPr>
+          <p:cNvPr id="24578" name="Picture 2"/>
+          <p:cNvPicPr>
+            <a:picLocks noChangeAspect="1" noChangeArrowheads="1"/>
+          </p:cNvPicPr>
+          <p:nvPr/>
+        </p:nvPicPr>
+        <p:blipFill>
+          <a:blip r:embed="rId2">
+            <a:extLst>
+              <a:ext uri="{28A0092B-C50C-407E-A947-70E740481C1C}">
+                <a14:useLocalDpi xmlns:a14="http://schemas.microsoft.com/office/drawing/2010/main" val="0"/>
+              </a:ext>
+            </a:extLst>
+          </a:blip>
+          <a:srcRect/>
+          <a:stretch>
+            <a:fillRect/>
+          </a:stretch>
+        </p:blipFill>
+        <p:spPr bwMode="auto">
+          <a:xfrm>
+            <a:off x="532351" y="1844824"/>
+            <a:ext cx="8079300" cy="3168352"/>
+          </a:xfrm>
+          <a:prstGeom prst="rect">
+            <a:avLst/>
+          </a:prstGeom>
+          <a:noFill/>
+          <a:ln>
+            <a:noFill/>
+          </a:ln>
+          <a:extLst>
+            <a:ext uri="{909E8E84-426E-40DD-AFC4-6F175D3DCCD1}">
+              <a14:hiddenFill xmlns:a14="http://schemas.microsoft.com/office/drawing/2010/main">
+                <a:solidFill>
+                  <a:schemeClr val="accent1"/>
+                </a:solidFill>
+              </a14:hiddenFill>
+            </a:ext>
+            <a:ext uri="{91240B29-F687-4F45-9708-019B960494DF}">
+              <a14:hiddenLine xmlns:a14="http://schemas.microsoft.com/office/drawing/2010/main" w="9525">
+                <a:solidFill>
+                  <a:schemeClr val="tx1"/>
+                </a:solidFill>
+                <a:miter lim="800000"/>
+                <a:headEnd/>
+                <a:tailEnd/>
+              </a14:hiddenLine>
+            </a:ext>
+          </a:extLst>
+        </p:spPr>
+      </p:pic>
+    </p:spTree>
+    <p:extLst>
+      <p:ext uri="{BB962C8B-B14F-4D97-AF65-F5344CB8AC3E}">
+        <p14:creationId xmlns:p14="http://schemas.microsoft.com/office/powerpoint/2010/main" val="1594147316"/>
+      </p:ext>
+    </p:extLst>
+  </p:cSld>
+  <p:clrMapOvr>
+    <a:masterClrMapping/>
+  </p:clrMapOvr>
+</p:sld>
+</file>
+
+<file path=ppt/slides/slide28.xml><?xml version="1.0" encoding="utf-8"?>
+<p:sld xmlns:a="http://schemas.openxmlformats.org/drawingml/2006/main" xmlns:r="http://schemas.openxmlformats.org/officeDocument/2006/relationships" xmlns:p="http://schemas.openxmlformats.org/presentationml/2006/main">
+  <p:cSld>
+    <p:spTree>
+      <p:nvGrpSpPr>
+        <p:cNvPr id="1" name=""/>
+        <p:cNvGrpSpPr/>
+        <p:nvPr/>
+      </p:nvGrpSpPr>
+      <p:grpSpPr>
+        <a:xfrm>
+          <a:off x="0" y="0"/>
+          <a:ext cx="0" cy="0"/>
+          <a:chOff x="0" y="0"/>
+          <a:chExt cx="0" cy="0"/>
+        </a:xfrm>
+      </p:grpSpPr>
+      <p:sp>
+        <p:nvSpPr>
+          <p:cNvPr id="2" name="Titre 1"/>
+          <p:cNvSpPr>
+            <a:spLocks noGrp="1"/>
+          </p:cNvSpPr>
+          <p:nvPr>
+            <p:ph type="title"/>
+          </p:nvPr>
+        </p:nvSpPr>
+        <p:spPr/>
+        <p:txBody>
+          <a:bodyPr>
+            <a:noAutofit/>
+          </a:bodyPr>
+          <a:lstStyle/>
+          <a:p>
+            <a:r>
+              <a:rPr lang="fr-FR" sz="2400" dirty="0"/>
+              <a:t>Liaisons à contact cylindrique prépondérant</a:t>
+            </a:r>
+            <a:br>
+              <a:rPr lang="fr-FR" sz="2400" dirty="0"/>
+            </a:br>
+            <a:r>
+              <a:rPr lang="fr-FR" sz="2400" dirty="0" smtClean="0"/>
+              <a:t>MAP</a:t>
+            </a:r>
+            <a:endParaRPr lang="fr-FR" sz="2000" dirty="0"/>
+          </a:p>
+        </p:txBody>
+      </p:sp>
+      <p:sp>
+        <p:nvSpPr>
+          <p:cNvPr id="3" name="Espace réservé du contenu 2"/>
+          <p:cNvSpPr>
+            <a:spLocks noGrp="1"/>
+          </p:cNvSpPr>
+          <p:nvPr>
+            <p:ph sz="quarter" idx="1"/>
+          </p:nvPr>
+        </p:nvSpPr>
+        <p:spPr/>
+        <p:txBody>
+          <a:bodyPr/>
+          <a:lstStyle/>
+          <a:p>
+            <a:r>
+              <a:rPr lang="fr-FR" dirty="0" smtClean="0"/>
+              <a:t>Solutions de réglage – Vis de pression</a:t>
+            </a:r>
+            <a:endParaRPr lang="fr-FR" dirty="0"/>
+          </a:p>
+        </p:txBody>
+      </p:sp>
+      <p:sp>
+        <p:nvSpPr>
+          <p:cNvPr id="4" name="Espace réservé du numéro de diapositive 3"/>
+          <p:cNvSpPr>
+            <a:spLocks noGrp="1"/>
+          </p:cNvSpPr>
+          <p:nvPr>
+            <p:ph type="sldNum" sz="quarter" idx="15"/>
+          </p:nvPr>
+        </p:nvSpPr>
+        <p:spPr/>
+        <p:txBody>
+          <a:bodyPr/>
+          <a:lstStyle/>
+          <a:p>
+            <a:fld id="{CF4668DC-857F-487D-BFFA-8C0CA5037977}" type="slidenum">
+              <a:rPr lang="fr-BE" smtClean="0"/>
+              <a:pPr/>
+              <a:t>28</a:t>
+            </a:fld>
+            <a:endParaRPr lang="fr-BE"/>
+          </a:p>
+        </p:txBody>
+      </p:sp>
+      <p:sp>
+        <p:nvSpPr>
+          <p:cNvPr id="5" name="Espace réservé du pied de page 4"/>
+          <p:cNvSpPr>
+            <a:spLocks noGrp="1"/>
+          </p:cNvSpPr>
+          <p:nvPr>
+            <p:ph type="ftr" sz="quarter" idx="16"/>
+          </p:nvPr>
+        </p:nvSpPr>
+        <p:spPr/>
+        <p:txBody>
+          <a:bodyPr/>
+          <a:lstStyle/>
+          <a:p>
+            <a:r>
+              <a:rPr lang="fr-BE" smtClean="0"/>
+              <a:t>Xavier Pessoles - Jean-Pierre Pupier</a:t>
+            </a:r>
+            <a:endParaRPr lang="fr-BE"/>
+          </a:p>
+        </p:txBody>
+      </p:sp>
+      <p:pic>
+        <p:nvPicPr>
+          <p:cNvPr id="25602" name="Picture 2"/>
+          <p:cNvPicPr>
+            <a:picLocks noChangeAspect="1" noChangeArrowheads="1"/>
+          </p:cNvPicPr>
+          <p:nvPr/>
+        </p:nvPicPr>
+        <p:blipFill>
+          <a:blip r:embed="rId2">
+            <a:extLst>
+              <a:ext uri="{28A0092B-C50C-407E-A947-70E740481C1C}">
+                <a14:useLocalDpi xmlns:a14="http://schemas.microsoft.com/office/drawing/2010/main" val="0"/>
+              </a:ext>
+            </a:extLst>
+          </a:blip>
+          <a:srcRect/>
+          <a:stretch>
+            <a:fillRect/>
+          </a:stretch>
+        </p:blipFill>
+        <p:spPr bwMode="auto">
+          <a:xfrm>
+            <a:off x="530654" y="2320663"/>
+            <a:ext cx="8014226" cy="2160240"/>
+          </a:xfrm>
+          <a:prstGeom prst="rect">
+            <a:avLst/>
+          </a:prstGeom>
+          <a:noFill/>
+          <a:ln>
+            <a:noFill/>
+          </a:ln>
+          <a:extLst>
+            <a:ext uri="{909E8E84-426E-40DD-AFC4-6F175D3DCCD1}">
+              <a14:hiddenFill xmlns:a14="http://schemas.microsoft.com/office/drawing/2010/main">
+                <a:solidFill>
+                  <a:schemeClr val="accent1"/>
+                </a:solidFill>
+              </a14:hiddenFill>
+            </a:ext>
+            <a:ext uri="{91240B29-F687-4F45-9708-019B960494DF}">
+              <a14:hiddenLine xmlns:a14="http://schemas.microsoft.com/office/drawing/2010/main" w="9525">
+                <a:solidFill>
+                  <a:schemeClr val="tx1"/>
+                </a:solidFill>
+                <a:miter lim="800000"/>
+                <a:headEnd/>
+                <a:tailEnd/>
+              </a14:hiddenLine>
+            </a:ext>
+          </a:extLst>
+        </p:spPr>
+      </p:pic>
+    </p:spTree>
+    <p:extLst>
+      <p:ext uri="{BB962C8B-B14F-4D97-AF65-F5344CB8AC3E}">
+        <p14:creationId xmlns:p14="http://schemas.microsoft.com/office/powerpoint/2010/main" val="2110209248"/>
+      </p:ext>
+    </p:extLst>
+  </p:cSld>
+  <p:clrMapOvr>
+    <a:masterClrMapping/>
+  </p:clrMapOvr>
+</p:sld>
+</file>
+
+<file path=ppt/slides/slide29.xml><?xml version="1.0" encoding="utf-8"?>
+<p:sld xmlns:a="http://schemas.openxmlformats.org/drawingml/2006/main" xmlns:r="http://schemas.openxmlformats.org/officeDocument/2006/relationships" xmlns:p="http://schemas.openxmlformats.org/presentationml/2006/main">
+  <p:cSld>
+    <p:spTree>
+      <p:nvGrpSpPr>
+        <p:cNvPr id="1" name=""/>
+        <p:cNvGrpSpPr/>
+        <p:nvPr/>
+      </p:nvGrpSpPr>
+      <p:grpSpPr>
+        <a:xfrm>
+          <a:off x="0" y="0"/>
+          <a:ext cx="0" cy="0"/>
+          <a:chOff x="0" y="0"/>
+          <a:chExt cx="0" cy="0"/>
+        </a:xfrm>
+      </p:grpSpPr>
+      <p:sp>
+        <p:nvSpPr>
+          <p:cNvPr id="2" name="Titre 1"/>
+          <p:cNvSpPr>
+            <a:spLocks noGrp="1"/>
+          </p:cNvSpPr>
+          <p:nvPr>
+            <p:ph type="title"/>
+          </p:nvPr>
+        </p:nvSpPr>
+        <p:spPr/>
+        <p:txBody>
+          <a:bodyPr>
+            <a:noAutofit/>
+          </a:bodyPr>
+          <a:lstStyle/>
+          <a:p>
+            <a:r>
+              <a:rPr lang="fr-FR" sz="2400" dirty="0"/>
+              <a:t>Liaisons à contact cylindrique prépondérant</a:t>
+            </a:r>
+            <a:br>
+              <a:rPr lang="fr-FR" sz="2400" dirty="0"/>
+            </a:br>
+            <a:r>
+              <a:rPr lang="fr-FR" sz="2400" dirty="0" smtClean="0"/>
+              <a:t>MAP – S</a:t>
+            </a:r>
+            <a:r>
+              <a:rPr lang="fr-FR" sz="2000" dirty="0" smtClean="0"/>
+              <a:t>olutions </a:t>
+            </a:r>
+            <a:r>
+              <a:rPr lang="fr-FR" sz="2000" dirty="0"/>
+              <a:t>non </a:t>
+            </a:r>
+            <a:r>
+              <a:rPr lang="fr-FR" sz="2000" dirty="0" smtClean="0"/>
+              <a:t>réglables</a:t>
+            </a:r>
+            <a:endParaRPr lang="fr-FR" sz="2000" dirty="0"/>
+          </a:p>
+        </p:txBody>
+      </p:sp>
+      <p:sp>
+        <p:nvSpPr>
+          <p:cNvPr id="3" name="Espace réservé du contenu 2"/>
+          <p:cNvSpPr>
+            <a:spLocks noGrp="1"/>
+          </p:cNvSpPr>
+          <p:nvPr>
+            <p:ph sz="quarter" idx="1"/>
+          </p:nvPr>
+        </p:nvSpPr>
+        <p:spPr/>
+        <p:txBody>
+          <a:bodyPr/>
+          <a:lstStyle/>
+          <a:p>
+            <a:r>
+              <a:rPr lang="fr-FR" dirty="0" smtClean="0"/>
+              <a:t>Assemblages de solutions élémentaires</a:t>
+            </a:r>
+            <a:endParaRPr lang="fr-FR" dirty="0"/>
+          </a:p>
+        </p:txBody>
+      </p:sp>
+      <p:sp>
+        <p:nvSpPr>
+          <p:cNvPr id="4" name="Espace réservé du numéro de diapositive 3"/>
+          <p:cNvSpPr>
+            <a:spLocks noGrp="1"/>
+          </p:cNvSpPr>
+          <p:nvPr>
+            <p:ph type="sldNum" sz="quarter" idx="15"/>
+          </p:nvPr>
+        </p:nvSpPr>
+        <p:spPr/>
+        <p:txBody>
+          <a:bodyPr/>
+          <a:lstStyle/>
+          <a:p>
+            <a:fld id="{CF4668DC-857F-487D-BFFA-8C0CA5037977}" type="slidenum">
+              <a:rPr lang="fr-BE" smtClean="0"/>
+              <a:pPr/>
+              <a:t>29</a:t>
+            </a:fld>
+            <a:endParaRPr lang="fr-BE"/>
+          </a:p>
+        </p:txBody>
+      </p:sp>
+      <p:sp>
+        <p:nvSpPr>
+          <p:cNvPr id="5" name="Espace réservé du pied de page 4"/>
+          <p:cNvSpPr>
+            <a:spLocks noGrp="1"/>
+          </p:cNvSpPr>
+          <p:nvPr>
+            <p:ph type="ftr" sz="quarter" idx="16"/>
+          </p:nvPr>
+        </p:nvSpPr>
+        <p:spPr/>
+        <p:txBody>
+          <a:bodyPr/>
+          <a:lstStyle/>
+          <a:p>
+            <a:r>
+              <a:rPr lang="fr-BE" smtClean="0"/>
+              <a:t>Xavier Pessoles - Jean-Pierre Pupier</a:t>
+            </a:r>
+            <a:endParaRPr lang="fr-BE"/>
+          </a:p>
+        </p:txBody>
+      </p:sp>
+      <p:pic>
+        <p:nvPicPr>
+          <p:cNvPr id="26626" name="Picture 2"/>
+          <p:cNvPicPr>
+            <a:picLocks noChangeAspect="1" noChangeArrowheads="1"/>
+          </p:cNvPicPr>
+          <p:nvPr/>
+        </p:nvPicPr>
+        <p:blipFill>
+          <a:blip r:embed="rId2">
+            <a:extLst>
+              <a:ext uri="{28A0092B-C50C-407E-A947-70E740481C1C}">
+                <a14:useLocalDpi xmlns:a14="http://schemas.microsoft.com/office/drawing/2010/main" val="0"/>
+              </a:ext>
+            </a:extLst>
+          </a:blip>
+          <a:srcRect/>
+          <a:stretch>
+            <a:fillRect/>
+          </a:stretch>
+        </p:blipFill>
+        <p:spPr bwMode="auto">
+          <a:xfrm>
+            <a:off x="351036" y="3501008"/>
+            <a:ext cx="8202658" cy="2144486"/>
+          </a:xfrm>
+          <a:prstGeom prst="rect">
+            <a:avLst/>
+          </a:prstGeom>
+          <a:noFill/>
+          <a:ln>
+            <a:noFill/>
+          </a:ln>
+          <a:extLst>
+            <a:ext uri="{909E8E84-426E-40DD-AFC4-6F175D3DCCD1}">
+              <a14:hiddenFill xmlns:a14="http://schemas.microsoft.com/office/drawing/2010/main">
+                <a:solidFill>
+                  <a:schemeClr val="accent1"/>
+                </a:solidFill>
+              </a14:hiddenFill>
+            </a:ext>
+            <a:ext uri="{91240B29-F687-4F45-9708-019B960494DF}">
+              <a14:hiddenLine xmlns:a14="http://schemas.microsoft.com/office/drawing/2010/main" w="9525">
+                <a:solidFill>
+                  <a:schemeClr val="tx1"/>
+                </a:solidFill>
+                <a:miter lim="800000"/>
+                <a:headEnd/>
+                <a:tailEnd/>
+              </a14:hiddenLine>
+            </a:ext>
+          </a:extLst>
+        </p:spPr>
+      </p:pic>
+      <p:pic>
+        <p:nvPicPr>
+          <p:cNvPr id="26627" name="Picture 3"/>
+          <p:cNvPicPr>
+            <a:picLocks noChangeAspect="1" noChangeArrowheads="1"/>
+          </p:cNvPicPr>
+          <p:nvPr/>
+        </p:nvPicPr>
+        <p:blipFill>
+          <a:blip r:embed="rId3">
+            <a:extLst>
+              <a:ext uri="{28A0092B-C50C-407E-A947-70E740481C1C}">
+                <a14:useLocalDpi xmlns:a14="http://schemas.microsoft.com/office/drawing/2010/main" val="0"/>
+              </a:ext>
+            </a:extLst>
+          </a:blip>
+          <a:srcRect/>
+          <a:stretch>
+            <a:fillRect/>
+          </a:stretch>
+        </p:blipFill>
+        <p:spPr bwMode="auto">
+          <a:xfrm>
+            <a:off x="590036" y="1772816"/>
+            <a:ext cx="7963658" cy="567332"/>
+          </a:xfrm>
+          <a:prstGeom prst="rect">
+            <a:avLst/>
+          </a:prstGeom>
+          <a:noFill/>
+          <a:ln>
+            <a:noFill/>
+          </a:ln>
+          <a:extLst>
+            <a:ext uri="{909E8E84-426E-40DD-AFC4-6F175D3DCCD1}">
+              <a14:hiddenFill xmlns:a14="http://schemas.microsoft.com/office/drawing/2010/main">
+                <a:solidFill>
+                  <a:schemeClr val="accent1"/>
+                </a:solidFill>
+              </a14:hiddenFill>
+            </a:ext>
+            <a:ext uri="{91240B29-F687-4F45-9708-019B960494DF}">
+              <a14:hiddenLine xmlns:a14="http://schemas.microsoft.com/office/drawing/2010/main" w="9525">
+                <a:solidFill>
+                  <a:schemeClr val="tx1"/>
+                </a:solidFill>
+                <a:miter lim="800000"/>
+                <a:headEnd/>
+                <a:tailEnd/>
+              </a14:hiddenLine>
+            </a:ext>
+          </a:extLst>
+        </p:spPr>
+      </p:pic>
+    </p:spTree>
+    <p:extLst>
+      <p:ext uri="{BB962C8B-B14F-4D97-AF65-F5344CB8AC3E}">
+        <p14:creationId xmlns:p14="http://schemas.microsoft.com/office/powerpoint/2010/main" val="3814439774"/>
       </p:ext>
     </p:extLst>
   </p:cSld>
@@ -13416,56 +15830,9 @@
           <a:chExt cx="0" cy="0"/>
         </a:xfrm>
       </p:grpSpPr>
-      <p:sp>
-        <p:nvSpPr>
-          <p:cNvPr id="2" name="Titre 1"/>
-          <p:cNvSpPr>
-            <a:spLocks noGrp="1"/>
-          </p:cNvSpPr>
-          <p:nvPr>
-            <p:ph type="title"/>
-          </p:nvPr>
-        </p:nvSpPr>
-        <p:spPr/>
-        <p:txBody>
-          <a:bodyPr/>
-          <a:lstStyle/>
-          <a:p>
-            <a:r>
-              <a:rPr lang="fr-FR" dirty="0" smtClean="0"/>
-              <a:t>Présentation</a:t>
-            </a:r>
-            <a:endParaRPr lang="fr-FR" dirty="0"/>
-          </a:p>
-        </p:txBody>
-      </p:sp>
-      <p:sp>
-        <p:nvSpPr>
-          <p:cNvPr id="4" name="Espace réservé du numéro de diapositive 3"/>
-          <p:cNvSpPr>
-            <a:spLocks noGrp="1"/>
-          </p:cNvSpPr>
-          <p:nvPr>
-            <p:ph type="sldNum" sz="quarter" idx="15"/>
-          </p:nvPr>
-        </p:nvSpPr>
-        <p:spPr/>
-        <p:txBody>
-          <a:bodyPr/>
-          <a:lstStyle/>
-          <a:p>
-            <a:fld id="{CF4668DC-857F-487D-BFFA-8C0CA5037977}" type="slidenum">
-              <a:rPr lang="fr-BE" smtClean="0"/>
-              <a:pPr/>
-              <a:t>3</a:t>
-            </a:fld>
-            <a:endParaRPr lang="fr-BE"/>
-          </a:p>
-        </p:txBody>
-      </p:sp>
       <p:pic>
         <p:nvPicPr>
-          <p:cNvPr id="7171" name="Picture 3" descr="C:\Enseignements\GitHub\07_Etude_Systemes_Mecaniques_Analyser_Concevoir_Realiser\Concevoir\02_LiaisonsEncastrementDemontables\Cours\Word_2014\Figures\SIB_2012.png"/>
+          <p:cNvPr id="8" name="Picture 3" descr="C:\Enseignements\GitHub\07_Etude_Systemes_Mecaniques_Analyser_Concevoir_Realiser\Concevoir\02_LiaisonsEncastrementDemontables\Cours\Word_2014\Figures\SIB_2012.png"/>
           <p:cNvPicPr>
             <a:picLocks noChangeAspect="1" noChangeArrowheads="1"/>
           </p:cNvPicPr>
@@ -13486,8 +15853,8 @@
         </p:blipFill>
         <p:spPr bwMode="auto">
           <a:xfrm>
-            <a:off x="0" y="1158357"/>
-            <a:ext cx="8064735" cy="5699643"/>
+            <a:off x="971600" y="2436216"/>
+            <a:ext cx="6300192" cy="4452576"/>
           </a:xfrm>
           <a:prstGeom prst="rect">
             <a:avLst/>
@@ -13506,76 +15873,685 @@
       </p:pic>
       <p:sp>
         <p:nvSpPr>
-          <p:cNvPr id="3" name="Rectangle 2"/>
-          <p:cNvSpPr/>
-          <p:nvPr/>
-        </p:nvSpPr>
-        <p:spPr>
+          <p:cNvPr id="2" name="Titre 1"/>
+          <p:cNvSpPr>
+            <a:spLocks noGrp="1"/>
+          </p:cNvSpPr>
+          <p:nvPr>
+            <p:ph type="title"/>
+          </p:nvPr>
+        </p:nvSpPr>
+        <p:spPr/>
+        <p:txBody>
+          <a:bodyPr>
+            <a:noAutofit/>
+          </a:bodyPr>
+          <a:lstStyle/>
+          <a:p>
+            <a:r>
+              <a:rPr lang="fr-FR" sz="2000" dirty="0" smtClean="0"/>
+              <a:t>Architecture des liaisons encastrement démontables</a:t>
+            </a:r>
+            <a:br>
+              <a:rPr lang="fr-FR" sz="2000" dirty="0" smtClean="0"/>
+            </a:br>
+            <a:r>
+              <a:rPr lang="fr-FR" sz="2000" dirty="0" smtClean="0"/>
+              <a:t>Notions de surfaces prépondérantes</a:t>
+            </a:r>
+            <a:endParaRPr lang="fr-FR" sz="2000" dirty="0"/>
+          </a:p>
+        </p:txBody>
+      </p:sp>
+      <p:sp>
+        <p:nvSpPr>
+          <p:cNvPr id="4" name="Espace réservé du numéro de diapositive 3"/>
+          <p:cNvSpPr>
+            <a:spLocks noGrp="1"/>
+          </p:cNvSpPr>
+          <p:nvPr>
+            <p:ph type="sldNum" sz="quarter" idx="15"/>
+          </p:nvPr>
+        </p:nvSpPr>
+        <p:spPr/>
+        <p:txBody>
+          <a:bodyPr/>
+          <a:lstStyle/>
+          <a:p>
+            <a:fld id="{CF4668DC-857F-487D-BFFA-8C0CA5037977}" type="slidenum">
+              <a:rPr lang="fr-BE" smtClean="0"/>
+              <a:pPr/>
+              <a:t>3</a:t>
+            </a:fld>
+            <a:endParaRPr lang="fr-BE"/>
+          </a:p>
+        </p:txBody>
+      </p:sp>
+      <p:sp>
+        <p:nvSpPr>
+          <p:cNvPr id="5" name="Espace réservé du pied de page 4"/>
+          <p:cNvSpPr>
+            <a:spLocks noGrp="1"/>
+          </p:cNvSpPr>
+          <p:nvPr>
+            <p:ph type="ftr" sz="quarter" idx="16"/>
+          </p:nvPr>
+        </p:nvSpPr>
+        <p:spPr/>
+        <p:txBody>
+          <a:bodyPr/>
+          <a:lstStyle/>
+          <a:p>
+            <a:r>
+              <a:rPr lang="fr-BE" smtClean="0"/>
+              <a:t>Xavier Pessoles - Jean-Pierre Pupier</a:t>
+            </a:r>
+            <a:endParaRPr lang="fr-BE"/>
+          </a:p>
+        </p:txBody>
+      </p:sp>
+      <p:pic>
+        <p:nvPicPr>
+          <p:cNvPr id="1026" name="Picture 2"/>
+          <p:cNvPicPr>
+            <a:picLocks noGrp="1" noChangeAspect="1" noChangeArrowheads="1"/>
+          </p:cNvPicPr>
+          <p:nvPr>
+            <p:ph sz="quarter" idx="1"/>
+          </p:nvPr>
+        </p:nvPicPr>
+        <p:blipFill>
+          <a:blip r:embed="rId3">
+            <a:extLst>
+              <a:ext uri="{28A0092B-C50C-407E-A947-70E740481C1C}">
+                <a14:useLocalDpi xmlns:a14="http://schemas.microsoft.com/office/drawing/2010/main" val="0"/>
+              </a:ext>
+            </a:extLst>
+          </a:blip>
+          <a:srcRect/>
+          <a:stretch>
+            <a:fillRect/>
+          </a:stretch>
+        </p:blipFill>
+        <p:spPr bwMode="auto">
           <a:xfrm>
-            <a:off x="-12122" y="6604084"/>
-            <a:ext cx="4572000" cy="253916"/>
+            <a:off x="323528" y="1101447"/>
+            <a:ext cx="8354461" cy="1368152"/>
           </a:xfrm>
           <a:prstGeom prst="rect">
             <a:avLst/>
           </a:prstGeom>
+          <a:noFill/>
+          <a:ln>
+            <a:noFill/>
+          </a:ln>
+          <a:extLst>
+            <a:ext uri="{909E8E84-426E-40DD-AFC4-6F175D3DCCD1}">
+              <a14:hiddenFill xmlns:a14="http://schemas.microsoft.com/office/drawing/2010/main">
+                <a:solidFill>
+                  <a:schemeClr val="accent1"/>
+                </a:solidFill>
+              </a14:hiddenFill>
+            </a:ext>
+            <a:ext uri="{91240B29-F687-4F45-9708-019B960494DF}">
+              <a14:hiddenLine xmlns:a14="http://schemas.microsoft.com/office/drawing/2010/main" w="9525">
+                <a:solidFill>
+                  <a:schemeClr val="tx1"/>
+                </a:solidFill>
+                <a:miter lim="800000"/>
+                <a:headEnd/>
+                <a:tailEnd/>
+              </a14:hiddenLine>
+            </a:ext>
+          </a:extLst>
         </p:spPr>
-        <p:txBody>
-          <a:bodyPr>
-            <a:spAutoFit/>
-          </a:bodyPr>
-          <a:lstStyle/>
-          <a:p>
-            <a:r>
-              <a:rPr lang="fr-FR" sz="1000" dirty="0"/>
-              <a:t>Banque PT SI B 2012 – UPSTI (X. Pessoles, R. </a:t>
-            </a:r>
-            <a:r>
-              <a:rPr lang="fr-FR" sz="1000" dirty="0" err="1"/>
-              <a:t>Costadoat</a:t>
-            </a:r>
-            <a:r>
-              <a:rPr lang="fr-FR" sz="1000" dirty="0"/>
-              <a:t>, P. </a:t>
-            </a:r>
-            <a:r>
-              <a:rPr lang="fr-FR" sz="1000" dirty="0" err="1"/>
-              <a:t>Bourzac</a:t>
-            </a:r>
-            <a:r>
-              <a:rPr lang="fr-FR" sz="1000" dirty="0"/>
-              <a:t>)</a:t>
-            </a:r>
-            <a:endParaRPr lang="fr-FR" sz="1000" dirty="0"/>
-          </a:p>
-        </p:txBody>
-      </p:sp>
-      <p:sp>
-        <p:nvSpPr>
-          <p:cNvPr id="5" name="Espace réservé du pied de page 4"/>
-          <p:cNvSpPr>
-            <a:spLocks noGrp="1"/>
-          </p:cNvSpPr>
-          <p:nvPr>
-            <p:ph type="ftr" sz="quarter" idx="16"/>
-          </p:nvPr>
-        </p:nvSpPr>
-        <p:spPr/>
-        <p:txBody>
-          <a:bodyPr/>
-          <a:lstStyle/>
-          <a:p>
-            <a:r>
-              <a:rPr lang="fr-BE" smtClean="0"/>
-              <a:t>Xavier Pessoles - Jean-Pierre Pupier</a:t>
-            </a:r>
-            <a:endParaRPr lang="fr-BE"/>
-          </a:p>
-        </p:txBody>
-      </p:sp>
+      </p:pic>
     </p:spTree>
     <p:extLst>
       <p:ext uri="{BB962C8B-B14F-4D97-AF65-F5344CB8AC3E}">
-        <p14:creationId xmlns:p14="http://schemas.microsoft.com/office/powerpoint/2010/main" val="2372734745"/>
+        <p14:creationId xmlns:p14="http://schemas.microsoft.com/office/powerpoint/2010/main" val="3563478645"/>
+      </p:ext>
+    </p:extLst>
+  </p:cSld>
+  <p:clrMapOvr>
+    <a:masterClrMapping/>
+  </p:clrMapOvr>
+</p:sld>
+</file>
+
+<file path=ppt/slides/slide30.xml><?xml version="1.0" encoding="utf-8"?>
+<p:sld xmlns:a="http://schemas.openxmlformats.org/drawingml/2006/main" xmlns:r="http://schemas.openxmlformats.org/officeDocument/2006/relationships" xmlns:p="http://schemas.openxmlformats.org/presentationml/2006/main">
+  <p:cSld>
+    <p:spTree>
+      <p:nvGrpSpPr>
+        <p:cNvPr id="1" name=""/>
+        <p:cNvGrpSpPr/>
+        <p:nvPr/>
+      </p:nvGrpSpPr>
+      <p:grpSpPr>
+        <a:xfrm>
+          <a:off x="0" y="0"/>
+          <a:ext cx="0" cy="0"/>
+          <a:chOff x="0" y="0"/>
+          <a:chExt cx="0" cy="0"/>
+        </a:xfrm>
+      </p:grpSpPr>
+      <p:sp>
+        <p:nvSpPr>
+          <p:cNvPr id="2" name="Titre 1"/>
+          <p:cNvSpPr>
+            <a:spLocks noGrp="1"/>
+          </p:cNvSpPr>
+          <p:nvPr>
+            <p:ph type="title"/>
+          </p:nvPr>
+        </p:nvSpPr>
+        <p:spPr/>
+        <p:txBody>
+          <a:bodyPr>
+            <a:noAutofit/>
+          </a:bodyPr>
+          <a:lstStyle/>
+          <a:p>
+            <a:r>
+              <a:rPr lang="fr-FR" sz="2400" dirty="0"/>
+              <a:t>Liaisons à contact cylindrique prépondérant</a:t>
+            </a:r>
+            <a:br>
+              <a:rPr lang="fr-FR" sz="2400" dirty="0"/>
+            </a:br>
+            <a:r>
+              <a:rPr lang="fr-FR" sz="2400" dirty="0" smtClean="0"/>
+              <a:t>MAP – S</a:t>
+            </a:r>
+            <a:r>
+              <a:rPr lang="fr-FR" sz="2000" dirty="0" smtClean="0"/>
+              <a:t>olutions non réglables</a:t>
+            </a:r>
+            <a:endParaRPr lang="fr-FR" sz="2000" dirty="0"/>
+          </a:p>
+        </p:txBody>
+      </p:sp>
+      <p:sp>
+        <p:nvSpPr>
+          <p:cNvPr id="3" name="Espace réservé du contenu 2"/>
+          <p:cNvSpPr>
+            <a:spLocks noGrp="1"/>
+          </p:cNvSpPr>
+          <p:nvPr>
+            <p:ph sz="quarter" idx="1"/>
+          </p:nvPr>
+        </p:nvSpPr>
+        <p:spPr/>
+        <p:txBody>
+          <a:bodyPr/>
+          <a:lstStyle/>
+          <a:p>
+            <a:r>
+              <a:rPr lang="fr-FR" dirty="0" smtClean="0"/>
+              <a:t>Solutions spécifiques – Goupilles</a:t>
+            </a:r>
+            <a:endParaRPr lang="fr-FR" dirty="0"/>
+          </a:p>
+        </p:txBody>
+      </p:sp>
+      <p:sp>
+        <p:nvSpPr>
+          <p:cNvPr id="4" name="Espace réservé du numéro de diapositive 3"/>
+          <p:cNvSpPr>
+            <a:spLocks noGrp="1"/>
+          </p:cNvSpPr>
+          <p:nvPr>
+            <p:ph type="sldNum" sz="quarter" idx="15"/>
+          </p:nvPr>
+        </p:nvSpPr>
+        <p:spPr/>
+        <p:txBody>
+          <a:bodyPr/>
+          <a:lstStyle/>
+          <a:p>
+            <a:fld id="{CF4668DC-857F-487D-BFFA-8C0CA5037977}" type="slidenum">
+              <a:rPr lang="fr-BE" smtClean="0"/>
+              <a:pPr/>
+              <a:t>30</a:t>
+            </a:fld>
+            <a:endParaRPr lang="fr-BE"/>
+          </a:p>
+        </p:txBody>
+      </p:sp>
+      <p:sp>
+        <p:nvSpPr>
+          <p:cNvPr id="5" name="Espace réservé du pied de page 4"/>
+          <p:cNvSpPr>
+            <a:spLocks noGrp="1"/>
+          </p:cNvSpPr>
+          <p:nvPr>
+            <p:ph type="ftr" sz="quarter" idx="16"/>
+          </p:nvPr>
+        </p:nvSpPr>
+        <p:spPr/>
+        <p:txBody>
+          <a:bodyPr/>
+          <a:lstStyle/>
+          <a:p>
+            <a:r>
+              <a:rPr lang="fr-BE" smtClean="0"/>
+              <a:t>Xavier Pessoles - Jean-Pierre Pupier</a:t>
+            </a:r>
+            <a:endParaRPr lang="fr-BE"/>
+          </a:p>
+        </p:txBody>
+      </p:sp>
+      <p:pic>
+        <p:nvPicPr>
+          <p:cNvPr id="27650" name="Picture 2"/>
+          <p:cNvPicPr>
+            <a:picLocks noChangeAspect="1" noChangeArrowheads="1"/>
+          </p:cNvPicPr>
+          <p:nvPr/>
+        </p:nvPicPr>
+        <p:blipFill>
+          <a:blip r:embed="rId2">
+            <a:extLst>
+              <a:ext uri="{28A0092B-C50C-407E-A947-70E740481C1C}">
+                <a14:useLocalDpi xmlns:a14="http://schemas.microsoft.com/office/drawing/2010/main" val="0"/>
+              </a:ext>
+            </a:extLst>
+          </a:blip>
+          <a:srcRect/>
+          <a:stretch>
+            <a:fillRect/>
+          </a:stretch>
+        </p:blipFill>
+        <p:spPr bwMode="auto">
+          <a:xfrm>
+            <a:off x="251520" y="2564904"/>
+            <a:ext cx="8377338" cy="1728192"/>
+          </a:xfrm>
+          <a:prstGeom prst="rect">
+            <a:avLst/>
+          </a:prstGeom>
+          <a:noFill/>
+          <a:ln>
+            <a:noFill/>
+          </a:ln>
+          <a:extLst>
+            <a:ext uri="{909E8E84-426E-40DD-AFC4-6F175D3DCCD1}">
+              <a14:hiddenFill xmlns:a14="http://schemas.microsoft.com/office/drawing/2010/main">
+                <a:solidFill>
+                  <a:schemeClr val="accent1"/>
+                </a:solidFill>
+              </a14:hiddenFill>
+            </a:ext>
+            <a:ext uri="{91240B29-F687-4F45-9708-019B960494DF}">
+              <a14:hiddenLine xmlns:a14="http://schemas.microsoft.com/office/drawing/2010/main" w="9525">
+                <a:solidFill>
+                  <a:schemeClr val="tx1"/>
+                </a:solidFill>
+                <a:miter lim="800000"/>
+                <a:headEnd/>
+                <a:tailEnd/>
+              </a14:hiddenLine>
+            </a:ext>
+          </a:extLst>
+        </p:spPr>
+      </p:pic>
+    </p:spTree>
+    <p:extLst>
+      <p:ext uri="{BB962C8B-B14F-4D97-AF65-F5344CB8AC3E}">
+        <p14:creationId xmlns:p14="http://schemas.microsoft.com/office/powerpoint/2010/main" val="490623841"/>
+      </p:ext>
+    </p:extLst>
+  </p:cSld>
+  <p:clrMapOvr>
+    <a:masterClrMapping/>
+  </p:clrMapOvr>
+</p:sld>
+</file>
+
+<file path=ppt/slides/slide31.xml><?xml version="1.0" encoding="utf-8"?>
+<p:sld xmlns:a="http://schemas.openxmlformats.org/drawingml/2006/main" xmlns:r="http://schemas.openxmlformats.org/officeDocument/2006/relationships" xmlns:p="http://schemas.openxmlformats.org/presentationml/2006/main">
+  <p:cSld>
+    <p:spTree>
+      <p:nvGrpSpPr>
+        <p:cNvPr id="1" name=""/>
+        <p:cNvGrpSpPr/>
+        <p:nvPr/>
+      </p:nvGrpSpPr>
+      <p:grpSpPr>
+        <a:xfrm>
+          <a:off x="0" y="0"/>
+          <a:ext cx="0" cy="0"/>
+          <a:chOff x="0" y="0"/>
+          <a:chExt cx="0" cy="0"/>
+        </a:xfrm>
+      </p:grpSpPr>
+      <p:sp>
+        <p:nvSpPr>
+          <p:cNvPr id="2" name="Titre 1"/>
+          <p:cNvSpPr>
+            <a:spLocks noGrp="1"/>
+          </p:cNvSpPr>
+          <p:nvPr>
+            <p:ph type="title"/>
+          </p:nvPr>
+        </p:nvSpPr>
+        <p:spPr/>
+        <p:txBody>
+          <a:bodyPr>
+            <a:noAutofit/>
+          </a:bodyPr>
+          <a:lstStyle/>
+          <a:p>
+            <a:r>
+              <a:rPr lang="fr-FR" sz="2400" dirty="0"/>
+              <a:t>Liaisons à contact cylindrique prépondérant</a:t>
+            </a:r>
+            <a:br>
+              <a:rPr lang="fr-FR" sz="2400" dirty="0"/>
+            </a:br>
+            <a:r>
+              <a:rPr lang="fr-FR" sz="2400" dirty="0" smtClean="0"/>
+              <a:t>MAP – S</a:t>
+            </a:r>
+            <a:r>
+              <a:rPr lang="fr-FR" sz="2000" dirty="0" smtClean="0"/>
+              <a:t>olutions non réglables</a:t>
+            </a:r>
+            <a:endParaRPr lang="fr-FR" sz="2000" dirty="0"/>
+          </a:p>
+        </p:txBody>
+      </p:sp>
+      <p:sp>
+        <p:nvSpPr>
+          <p:cNvPr id="3" name="Espace réservé du contenu 2"/>
+          <p:cNvSpPr>
+            <a:spLocks noGrp="1"/>
+          </p:cNvSpPr>
+          <p:nvPr>
+            <p:ph sz="quarter" idx="1"/>
+          </p:nvPr>
+        </p:nvSpPr>
+        <p:spPr/>
+        <p:txBody>
+          <a:bodyPr/>
+          <a:lstStyle/>
+          <a:p>
+            <a:r>
+              <a:rPr lang="fr-FR" dirty="0" smtClean="0"/>
+              <a:t>Solutions spécifiques – Vis </a:t>
+            </a:r>
+            <a:r>
+              <a:rPr lang="fr-FR" smtClean="0"/>
+              <a:t>de pression</a:t>
+            </a:r>
+            <a:endParaRPr lang="fr-FR" dirty="0"/>
+          </a:p>
+        </p:txBody>
+      </p:sp>
+      <p:sp>
+        <p:nvSpPr>
+          <p:cNvPr id="4" name="Espace réservé du numéro de diapositive 3"/>
+          <p:cNvSpPr>
+            <a:spLocks noGrp="1"/>
+          </p:cNvSpPr>
+          <p:nvPr>
+            <p:ph type="sldNum" sz="quarter" idx="15"/>
+          </p:nvPr>
+        </p:nvSpPr>
+        <p:spPr/>
+        <p:txBody>
+          <a:bodyPr/>
+          <a:lstStyle/>
+          <a:p>
+            <a:fld id="{CF4668DC-857F-487D-BFFA-8C0CA5037977}" type="slidenum">
+              <a:rPr lang="fr-BE" smtClean="0"/>
+              <a:pPr/>
+              <a:t>31</a:t>
+            </a:fld>
+            <a:endParaRPr lang="fr-BE"/>
+          </a:p>
+        </p:txBody>
+      </p:sp>
+      <p:sp>
+        <p:nvSpPr>
+          <p:cNvPr id="5" name="Espace réservé du pied de page 4"/>
+          <p:cNvSpPr>
+            <a:spLocks noGrp="1"/>
+          </p:cNvSpPr>
+          <p:nvPr>
+            <p:ph type="ftr" sz="quarter" idx="16"/>
+          </p:nvPr>
+        </p:nvSpPr>
+        <p:spPr/>
+        <p:txBody>
+          <a:bodyPr/>
+          <a:lstStyle/>
+          <a:p>
+            <a:r>
+              <a:rPr lang="fr-BE" smtClean="0"/>
+              <a:t>Xavier Pessoles - Jean-Pierre Pupier</a:t>
+            </a:r>
+            <a:endParaRPr lang="fr-BE"/>
+          </a:p>
+        </p:txBody>
+      </p:sp>
+      <p:pic>
+        <p:nvPicPr>
+          <p:cNvPr id="28674" name="Picture 2"/>
+          <p:cNvPicPr>
+            <a:picLocks noChangeAspect="1" noChangeArrowheads="1"/>
+          </p:cNvPicPr>
+          <p:nvPr/>
+        </p:nvPicPr>
+        <p:blipFill>
+          <a:blip r:embed="rId2">
+            <a:extLst>
+              <a:ext uri="{28A0092B-C50C-407E-A947-70E740481C1C}">
+                <a14:useLocalDpi xmlns:a14="http://schemas.microsoft.com/office/drawing/2010/main" val="0"/>
+              </a:ext>
+            </a:extLst>
+          </a:blip>
+          <a:srcRect/>
+          <a:stretch>
+            <a:fillRect/>
+          </a:stretch>
+        </p:blipFill>
+        <p:spPr bwMode="auto">
+          <a:xfrm>
+            <a:off x="423539" y="2204864"/>
+            <a:ext cx="8296922" cy="2448272"/>
+          </a:xfrm>
+          <a:prstGeom prst="rect">
+            <a:avLst/>
+          </a:prstGeom>
+          <a:noFill/>
+          <a:ln>
+            <a:noFill/>
+          </a:ln>
+          <a:extLst>
+            <a:ext uri="{909E8E84-426E-40DD-AFC4-6F175D3DCCD1}">
+              <a14:hiddenFill xmlns:a14="http://schemas.microsoft.com/office/drawing/2010/main">
+                <a:solidFill>
+                  <a:schemeClr val="accent1"/>
+                </a:solidFill>
+              </a14:hiddenFill>
+            </a:ext>
+            <a:ext uri="{91240B29-F687-4F45-9708-019B960494DF}">
+              <a14:hiddenLine xmlns:a14="http://schemas.microsoft.com/office/drawing/2010/main" w="9525">
+                <a:solidFill>
+                  <a:schemeClr val="tx1"/>
+                </a:solidFill>
+                <a:miter lim="800000"/>
+                <a:headEnd/>
+                <a:tailEnd/>
+              </a14:hiddenLine>
+            </a:ext>
+          </a:extLst>
+        </p:spPr>
+      </p:pic>
+    </p:spTree>
+    <p:extLst>
+      <p:ext uri="{BB962C8B-B14F-4D97-AF65-F5344CB8AC3E}">
+        <p14:creationId xmlns:p14="http://schemas.microsoft.com/office/powerpoint/2010/main" val="3875723414"/>
+      </p:ext>
+    </p:extLst>
+  </p:cSld>
+  <p:clrMapOvr>
+    <a:masterClrMapping/>
+  </p:clrMapOvr>
+</p:sld>
+</file>
+
+<file path=ppt/slides/slide32.xml><?xml version="1.0" encoding="utf-8"?>
+<p:sld xmlns:a="http://schemas.openxmlformats.org/drawingml/2006/main" xmlns:r="http://schemas.openxmlformats.org/officeDocument/2006/relationships" xmlns:p="http://schemas.openxmlformats.org/presentationml/2006/main">
+  <p:cSld>
+    <p:spTree>
+      <p:nvGrpSpPr>
+        <p:cNvPr id="1" name=""/>
+        <p:cNvGrpSpPr/>
+        <p:nvPr/>
+      </p:nvGrpSpPr>
+      <p:grpSpPr>
+        <a:xfrm>
+          <a:off x="0" y="0"/>
+          <a:ext cx="0" cy="0"/>
+          <a:chOff x="0" y="0"/>
+          <a:chExt cx="0" cy="0"/>
+        </a:xfrm>
+      </p:grpSpPr>
+      <p:sp>
+        <p:nvSpPr>
+          <p:cNvPr id="2" name="Titre 1"/>
+          <p:cNvSpPr>
+            <a:spLocks noGrp="1"/>
+          </p:cNvSpPr>
+          <p:nvPr>
+            <p:ph type="title"/>
+          </p:nvPr>
+        </p:nvSpPr>
+        <p:spPr/>
+        <p:txBody>
+          <a:bodyPr>
+            <a:normAutofit fontScale="90000"/>
+          </a:bodyPr>
+          <a:lstStyle/>
+          <a:p>
+            <a:r>
+              <a:rPr lang="fr-FR" dirty="0" smtClean="0"/>
+              <a:t>Liaisons à contact conique prépondérant</a:t>
+            </a:r>
+            <a:endParaRPr lang="fr-FR" dirty="0"/>
+          </a:p>
+        </p:txBody>
+      </p:sp>
+      <p:sp>
+        <p:nvSpPr>
+          <p:cNvPr id="4" name="Espace réservé du numéro de diapositive 3"/>
+          <p:cNvSpPr>
+            <a:spLocks noGrp="1"/>
+          </p:cNvSpPr>
+          <p:nvPr>
+            <p:ph type="sldNum" sz="quarter" idx="15"/>
+          </p:nvPr>
+        </p:nvSpPr>
+        <p:spPr/>
+        <p:txBody>
+          <a:bodyPr/>
+          <a:lstStyle/>
+          <a:p>
+            <a:fld id="{CF4668DC-857F-487D-BFFA-8C0CA5037977}" type="slidenum">
+              <a:rPr lang="fr-BE" smtClean="0"/>
+              <a:pPr/>
+              <a:t>32</a:t>
+            </a:fld>
+            <a:endParaRPr lang="fr-BE"/>
+          </a:p>
+        </p:txBody>
+      </p:sp>
+      <p:sp>
+        <p:nvSpPr>
+          <p:cNvPr id="5" name="Espace réservé du pied de page 4"/>
+          <p:cNvSpPr>
+            <a:spLocks noGrp="1"/>
+          </p:cNvSpPr>
+          <p:nvPr>
+            <p:ph type="ftr" sz="quarter" idx="16"/>
+          </p:nvPr>
+        </p:nvSpPr>
+        <p:spPr/>
+        <p:txBody>
+          <a:bodyPr/>
+          <a:lstStyle/>
+          <a:p>
+            <a:r>
+              <a:rPr lang="fr-BE" smtClean="0"/>
+              <a:t>Xavier Pessoles - Jean-Pierre Pupier</a:t>
+            </a:r>
+            <a:endParaRPr lang="fr-BE"/>
+          </a:p>
+        </p:txBody>
+      </p:sp>
+      <p:pic>
+        <p:nvPicPr>
+          <p:cNvPr id="29698" name="Picture 2"/>
+          <p:cNvPicPr>
+            <a:picLocks noGrp="1" noChangeAspect="1" noChangeArrowheads="1"/>
+          </p:cNvPicPr>
+          <p:nvPr>
+            <p:ph sz="quarter" idx="1"/>
+          </p:nvPr>
+        </p:nvPicPr>
+        <p:blipFill>
+          <a:blip r:embed="rId2">
+            <a:extLst>
+              <a:ext uri="{28A0092B-C50C-407E-A947-70E740481C1C}">
+                <a14:useLocalDpi xmlns:a14="http://schemas.microsoft.com/office/drawing/2010/main" val="0"/>
+              </a:ext>
+            </a:extLst>
+          </a:blip>
+          <a:srcRect/>
+          <a:stretch>
+            <a:fillRect/>
+          </a:stretch>
+        </p:blipFill>
+        <p:spPr bwMode="auto">
+          <a:xfrm rot="5400000">
+            <a:off x="1622614" y="1985898"/>
+            <a:ext cx="5322708" cy="3744416"/>
+          </a:xfrm>
+          <a:prstGeom prst="rect">
+            <a:avLst/>
+          </a:prstGeom>
+          <a:noFill/>
+          <a:ln>
+            <a:noFill/>
+          </a:ln>
+          <a:extLst>
+            <a:ext uri="{909E8E84-426E-40DD-AFC4-6F175D3DCCD1}">
+              <a14:hiddenFill xmlns:a14="http://schemas.microsoft.com/office/drawing/2010/main">
+                <a:solidFill>
+                  <a:schemeClr val="accent1"/>
+                </a:solidFill>
+              </a14:hiddenFill>
+            </a:ext>
+            <a:ext uri="{91240B29-F687-4F45-9708-019B960494DF}">
+              <a14:hiddenLine xmlns:a14="http://schemas.microsoft.com/office/drawing/2010/main" w="9525">
+                <a:solidFill>
+                  <a:schemeClr val="tx1"/>
+                </a:solidFill>
+                <a:miter lim="800000"/>
+                <a:headEnd/>
+                <a:tailEnd/>
+              </a14:hiddenLine>
+            </a:ext>
+          </a:extLst>
+        </p:spPr>
+      </p:pic>
+    </p:spTree>
+    <p:extLst>
+      <p:ext uri="{BB962C8B-B14F-4D97-AF65-F5344CB8AC3E}">
+        <p14:creationId xmlns:p14="http://schemas.microsoft.com/office/powerpoint/2010/main" val="3300379473"/>
       </p:ext>
     </p:extLst>
   </p:cSld>
@@ -13628,28 +16604,9 @@
             </a:br>
             <a:r>
               <a:rPr lang="fr-FR" sz="2000" dirty="0" smtClean="0"/>
-              <a:t>Notions de surfaces prépondérantes</a:t>
+              <a:t>Classification des architectures</a:t>
             </a:r>
             <a:endParaRPr lang="fr-FR" sz="2000" dirty="0"/>
-          </a:p>
-        </p:txBody>
-      </p:sp>
-      <p:sp>
-        <p:nvSpPr>
-          <p:cNvPr id="3" name="Espace réservé du contenu 2"/>
-          <p:cNvSpPr>
-            <a:spLocks noGrp="1"/>
-          </p:cNvSpPr>
-          <p:nvPr>
-            <p:ph sz="quarter" idx="1"/>
-          </p:nvPr>
-        </p:nvSpPr>
-        <p:spPr/>
-        <p:txBody>
-          <a:bodyPr/>
-          <a:lstStyle/>
-          <a:p>
-            <a:endParaRPr lang="fr-FR"/>
           </a:p>
         </p:txBody>
       </p:sp>
@@ -13672,115 +16629,6 @@
               <a:rPr lang="fr-BE" smtClean="0"/>
               <a:pPr/>
               <a:t>4</a:t>
-            </a:fld>
-            <a:endParaRPr lang="fr-BE"/>
-          </a:p>
-        </p:txBody>
-      </p:sp>
-      <p:sp>
-        <p:nvSpPr>
-          <p:cNvPr id="5" name="Espace réservé du pied de page 4"/>
-          <p:cNvSpPr>
-            <a:spLocks noGrp="1"/>
-          </p:cNvSpPr>
-          <p:nvPr>
-            <p:ph type="ftr" sz="quarter" idx="16"/>
-          </p:nvPr>
-        </p:nvSpPr>
-        <p:spPr/>
-        <p:txBody>
-          <a:bodyPr/>
-          <a:lstStyle/>
-          <a:p>
-            <a:r>
-              <a:rPr lang="fr-BE" smtClean="0"/>
-              <a:t>Xavier Pessoles - Jean-Pierre Pupier</a:t>
-            </a:r>
-            <a:endParaRPr lang="fr-BE"/>
-          </a:p>
-        </p:txBody>
-      </p:sp>
-    </p:spTree>
-    <p:extLst>
-      <p:ext uri="{BB962C8B-B14F-4D97-AF65-F5344CB8AC3E}">
-        <p14:creationId xmlns:p14="http://schemas.microsoft.com/office/powerpoint/2010/main" val="3563478645"/>
-      </p:ext>
-    </p:extLst>
-  </p:cSld>
-  <p:clrMapOvr>
-    <a:masterClrMapping/>
-  </p:clrMapOvr>
-</p:sld>
-</file>
-
-<file path=ppt/slides/slide5.xml><?xml version="1.0" encoding="utf-8"?>
-<p:sld xmlns:a="http://schemas.openxmlformats.org/drawingml/2006/main" xmlns:r="http://schemas.openxmlformats.org/officeDocument/2006/relationships" xmlns:p="http://schemas.openxmlformats.org/presentationml/2006/main">
-  <p:cSld>
-    <p:spTree>
-      <p:nvGrpSpPr>
-        <p:cNvPr id="1" name=""/>
-        <p:cNvGrpSpPr/>
-        <p:nvPr/>
-      </p:nvGrpSpPr>
-      <p:grpSpPr>
-        <a:xfrm>
-          <a:off x="0" y="0"/>
-          <a:ext cx="0" cy="0"/>
-          <a:chOff x="0" y="0"/>
-          <a:chExt cx="0" cy="0"/>
-        </a:xfrm>
-      </p:grpSpPr>
-      <p:sp>
-        <p:nvSpPr>
-          <p:cNvPr id="2" name="Titre 1"/>
-          <p:cNvSpPr>
-            <a:spLocks noGrp="1"/>
-          </p:cNvSpPr>
-          <p:nvPr>
-            <p:ph type="title"/>
-          </p:nvPr>
-        </p:nvSpPr>
-        <p:spPr/>
-        <p:txBody>
-          <a:bodyPr>
-            <a:noAutofit/>
-          </a:bodyPr>
-          <a:lstStyle/>
-          <a:p>
-            <a:r>
-              <a:rPr lang="fr-FR" sz="2000" dirty="0" smtClean="0"/>
-              <a:t>Architecture des liaisons encastrement démontables</a:t>
-            </a:r>
-            <a:br>
-              <a:rPr lang="fr-FR" sz="2000" dirty="0" smtClean="0"/>
-            </a:br>
-            <a:r>
-              <a:rPr lang="fr-FR" sz="2000" dirty="0" smtClean="0"/>
-              <a:t>Classification des architectures</a:t>
-            </a:r>
-            <a:endParaRPr lang="fr-FR" sz="2000" dirty="0"/>
-          </a:p>
-        </p:txBody>
-      </p:sp>
-      <p:sp>
-        <p:nvSpPr>
-          <p:cNvPr id="4" name="Espace réservé du numéro de diapositive 3"/>
-          <p:cNvSpPr>
-            <a:spLocks noGrp="1"/>
-          </p:cNvSpPr>
-          <p:nvPr>
-            <p:ph type="sldNum" sz="quarter" idx="15"/>
-          </p:nvPr>
-        </p:nvSpPr>
-        <p:spPr/>
-        <p:txBody>
-          <a:bodyPr/>
-          <a:lstStyle/>
-          <a:p>
-            <a:fld id="{CF4668DC-857F-487D-BFFA-8C0CA5037977}" type="slidenum">
-              <a:rPr lang="fr-BE" smtClean="0"/>
-              <a:pPr/>
-              <a:t>5</a:t>
             </a:fld>
             <a:endParaRPr lang="fr-BE"/>
           </a:p>
@@ -13859,6 +16707,283 @@
 </p:sld>
 </file>
 
+<file path=ppt/slides/slide5.xml><?xml version="1.0" encoding="utf-8"?>
+<p:sld xmlns:a="http://schemas.openxmlformats.org/drawingml/2006/main" xmlns:r="http://schemas.openxmlformats.org/officeDocument/2006/relationships" xmlns:p="http://schemas.openxmlformats.org/presentationml/2006/main">
+  <p:cSld>
+    <p:spTree>
+      <p:nvGrpSpPr>
+        <p:cNvPr id="1" name=""/>
+        <p:cNvGrpSpPr/>
+        <p:nvPr/>
+      </p:nvGrpSpPr>
+      <p:grpSpPr>
+        <a:xfrm>
+          <a:off x="0" y="0"/>
+          <a:ext cx="0" cy="0"/>
+          <a:chOff x="0" y="0"/>
+          <a:chExt cx="0" cy="0"/>
+        </a:xfrm>
+      </p:grpSpPr>
+      <p:sp>
+        <p:nvSpPr>
+          <p:cNvPr id="2" name="Titre 1"/>
+          <p:cNvSpPr>
+            <a:spLocks noGrp="1"/>
+          </p:cNvSpPr>
+          <p:nvPr>
+            <p:ph type="title"/>
+          </p:nvPr>
+        </p:nvSpPr>
+        <p:spPr/>
+        <p:txBody>
+          <a:bodyPr>
+            <a:noAutofit/>
+          </a:bodyPr>
+          <a:lstStyle/>
+          <a:p>
+            <a:r>
+              <a:rPr lang="fr-FR" sz="2000" dirty="0" smtClean="0"/>
+              <a:t>Architecture des liaisons encastrement démontables</a:t>
+            </a:r>
+            <a:br>
+              <a:rPr lang="fr-FR" sz="2000" dirty="0" smtClean="0"/>
+            </a:br>
+            <a:r>
+              <a:rPr lang="fr-FR" sz="2000" dirty="0" smtClean="0"/>
+              <a:t>Notions d’architectures hyperstatiques</a:t>
+            </a:r>
+            <a:endParaRPr lang="fr-FR" sz="2000" dirty="0"/>
+          </a:p>
+        </p:txBody>
+      </p:sp>
+      <p:sp>
+        <p:nvSpPr>
+          <p:cNvPr id="4" name="Espace réservé du numéro de diapositive 3"/>
+          <p:cNvSpPr>
+            <a:spLocks noGrp="1"/>
+          </p:cNvSpPr>
+          <p:nvPr>
+            <p:ph type="sldNum" sz="quarter" idx="15"/>
+          </p:nvPr>
+        </p:nvSpPr>
+        <p:spPr/>
+        <p:txBody>
+          <a:bodyPr/>
+          <a:lstStyle/>
+          <a:p>
+            <a:fld id="{CF4668DC-857F-487D-BFFA-8C0CA5037977}" type="slidenum">
+              <a:rPr lang="fr-BE" smtClean="0"/>
+              <a:pPr/>
+              <a:t>5</a:t>
+            </a:fld>
+            <a:endParaRPr lang="fr-BE"/>
+          </a:p>
+        </p:txBody>
+      </p:sp>
+      <p:sp>
+        <p:nvSpPr>
+          <p:cNvPr id="5" name="Espace réservé du pied de page 4"/>
+          <p:cNvSpPr>
+            <a:spLocks noGrp="1"/>
+          </p:cNvSpPr>
+          <p:nvPr>
+            <p:ph type="ftr" sz="quarter" idx="16"/>
+          </p:nvPr>
+        </p:nvSpPr>
+        <p:spPr/>
+        <p:txBody>
+          <a:bodyPr/>
+          <a:lstStyle/>
+          <a:p>
+            <a:r>
+              <a:rPr lang="fr-BE" smtClean="0"/>
+              <a:t>Xavier Pessoles - Jean-Pierre Pupier</a:t>
+            </a:r>
+            <a:endParaRPr lang="fr-BE"/>
+          </a:p>
+        </p:txBody>
+      </p:sp>
+      <p:pic>
+        <p:nvPicPr>
+          <p:cNvPr id="6" name="Image 5"/>
+          <p:cNvPicPr/>
+          <p:nvPr/>
+        </p:nvPicPr>
+        <p:blipFill>
+          <a:blip r:embed="rId2" cstate="print"/>
+          <a:srcRect/>
+          <a:stretch>
+            <a:fillRect/>
+          </a:stretch>
+        </p:blipFill>
+        <p:spPr bwMode="auto">
+          <a:xfrm>
+            <a:off x="126097" y="1327716"/>
+            <a:ext cx="2794000" cy="1559560"/>
+          </a:xfrm>
+          <a:prstGeom prst="rect">
+            <a:avLst/>
+          </a:prstGeom>
+          <a:noFill/>
+          <a:ln w="9525">
+            <a:noFill/>
+            <a:miter lim="800000"/>
+            <a:headEnd/>
+            <a:tailEnd/>
+          </a:ln>
+        </p:spPr>
+      </p:pic>
+      <p:pic>
+        <p:nvPicPr>
+          <p:cNvPr id="7" name="Image 6"/>
+          <p:cNvPicPr/>
+          <p:nvPr/>
+        </p:nvPicPr>
+        <p:blipFill>
+          <a:blip r:embed="rId3" cstate="print"/>
+          <a:srcRect/>
+          <a:stretch>
+            <a:fillRect/>
+          </a:stretch>
+        </p:blipFill>
+        <p:spPr bwMode="auto">
+          <a:xfrm>
+            <a:off x="3131840" y="1412776"/>
+            <a:ext cx="5779024" cy="1080120"/>
+          </a:xfrm>
+          <a:prstGeom prst="rect">
+            <a:avLst/>
+          </a:prstGeom>
+          <a:noFill/>
+          <a:ln w="9525">
+            <a:noFill/>
+            <a:miter lim="800000"/>
+            <a:headEnd/>
+            <a:tailEnd/>
+          </a:ln>
+        </p:spPr>
+      </p:pic>
+      <p:pic>
+        <p:nvPicPr>
+          <p:cNvPr id="2050" name="Picture 2"/>
+          <p:cNvPicPr>
+            <a:picLocks noChangeAspect="1" noChangeArrowheads="1"/>
+          </p:cNvPicPr>
+          <p:nvPr/>
+        </p:nvPicPr>
+        <p:blipFill>
+          <a:blip r:embed="rId4">
+            <a:extLst>
+              <a:ext uri="{28A0092B-C50C-407E-A947-70E740481C1C}">
+                <a14:useLocalDpi xmlns:a14="http://schemas.microsoft.com/office/drawing/2010/main" val="0"/>
+              </a:ext>
+            </a:extLst>
+          </a:blip>
+          <a:srcRect/>
+          <a:stretch>
+            <a:fillRect/>
+          </a:stretch>
+        </p:blipFill>
+        <p:spPr bwMode="auto">
+          <a:xfrm>
+            <a:off x="126096" y="2887276"/>
+            <a:ext cx="8334335" cy="1132184"/>
+          </a:xfrm>
+          <a:prstGeom prst="rect">
+            <a:avLst/>
+          </a:prstGeom>
+          <a:noFill/>
+          <a:ln>
+            <a:noFill/>
+          </a:ln>
+          <a:extLst>
+            <a:ext uri="{909E8E84-426E-40DD-AFC4-6F175D3DCCD1}">
+              <a14:hiddenFill xmlns:a14="http://schemas.microsoft.com/office/drawing/2010/main">
+                <a:solidFill>
+                  <a:schemeClr val="accent1"/>
+                </a:solidFill>
+              </a14:hiddenFill>
+            </a:ext>
+            <a:ext uri="{91240B29-F687-4F45-9708-019B960494DF}">
+              <a14:hiddenLine xmlns:a14="http://schemas.microsoft.com/office/drawing/2010/main" w="9525">
+                <a:solidFill>
+                  <a:schemeClr val="tx1"/>
+                </a:solidFill>
+                <a:miter lim="800000"/>
+                <a:headEnd/>
+                <a:tailEnd/>
+              </a14:hiddenLine>
+            </a:ext>
+          </a:extLst>
+        </p:spPr>
+      </p:pic>
+      <p:pic>
+        <p:nvPicPr>
+          <p:cNvPr id="2051" name="Picture 3"/>
+          <p:cNvPicPr>
+            <a:picLocks noChangeAspect="1" noChangeArrowheads="1"/>
+          </p:cNvPicPr>
+          <p:nvPr/>
+        </p:nvPicPr>
+        <p:blipFill>
+          <a:blip r:embed="rId5">
+            <a:extLst>
+              <a:ext uri="{28A0092B-C50C-407E-A947-70E740481C1C}">
+                <a14:useLocalDpi xmlns:a14="http://schemas.microsoft.com/office/drawing/2010/main" val="0"/>
+              </a:ext>
+            </a:extLst>
+          </a:blip>
+          <a:srcRect/>
+          <a:stretch>
+            <a:fillRect/>
+          </a:stretch>
+        </p:blipFill>
+        <p:spPr bwMode="auto">
+          <a:xfrm>
+            <a:off x="1956769" y="4293096"/>
+            <a:ext cx="4672987" cy="2254338"/>
+          </a:xfrm>
+          <a:prstGeom prst="rect">
+            <a:avLst/>
+          </a:prstGeom>
+          <a:noFill/>
+          <a:ln>
+            <a:noFill/>
+          </a:ln>
+          <a:extLst>
+            <a:ext uri="{909E8E84-426E-40DD-AFC4-6F175D3DCCD1}">
+              <a14:hiddenFill xmlns:a14="http://schemas.microsoft.com/office/drawing/2010/main">
+                <a:solidFill>
+                  <a:schemeClr val="accent1"/>
+                </a:solidFill>
+              </a14:hiddenFill>
+            </a:ext>
+            <a:ext uri="{91240B29-F687-4F45-9708-019B960494DF}">
+              <a14:hiddenLine xmlns:a14="http://schemas.microsoft.com/office/drawing/2010/main" w="9525">
+                <a:solidFill>
+                  <a:schemeClr val="tx1"/>
+                </a:solidFill>
+                <a:miter lim="800000"/>
+                <a:headEnd/>
+                <a:tailEnd/>
+              </a14:hiddenLine>
+            </a:ext>
+          </a:extLst>
+        </p:spPr>
+      </p:pic>
+    </p:spTree>
+    <p:extLst>
+      <p:ext uri="{BB962C8B-B14F-4D97-AF65-F5344CB8AC3E}">
+        <p14:creationId xmlns:p14="http://schemas.microsoft.com/office/powerpoint/2010/main" val="1753570024"/>
+      </p:ext>
+    </p:extLst>
+  </p:cSld>
+  <p:clrMapOvr>
+    <a:masterClrMapping/>
+  </p:clrMapOvr>
+</p:sld>
+</file>
+
 <file path=ppt/slides/slide6.xml><?xml version="1.0" encoding="utf-8"?>
 <p:sld xmlns:a="http://schemas.openxmlformats.org/drawingml/2006/main" xmlns:r="http://schemas.openxmlformats.org/officeDocument/2006/relationships" xmlns:p="http://schemas.openxmlformats.org/presentationml/2006/main">
   <p:cSld>
@@ -13889,22 +17014,82 @@
         <p:spPr/>
         <p:txBody>
           <a:bodyPr>
-            <a:noAutofit/>
+            <a:normAutofit/>
           </a:bodyPr>
           <a:lstStyle/>
           <a:p>
             <a:r>
-              <a:rPr lang="fr-FR" sz="2000" dirty="0" smtClean="0"/>
-              <a:t>Architecture des liaisons encastrement démontables</a:t>
+              <a:rPr lang="fr-FR" sz="2400" dirty="0" smtClean="0"/>
+              <a:t>Liaisons a contact plan prépondérant</a:t>
             </a:r>
             <a:br>
-              <a:rPr lang="fr-FR" sz="2000" dirty="0" smtClean="0"/>
+              <a:rPr lang="fr-FR" sz="2400" dirty="0" smtClean="0"/>
             </a:br>
             <a:r>
-              <a:rPr lang="fr-FR" sz="2000" dirty="0" smtClean="0"/>
-              <a:t>Notions d’architectures hyperstatiques</a:t>
-            </a:r>
-            <a:endParaRPr lang="fr-FR" sz="2000" dirty="0"/>
+              <a:rPr lang="fr-FR" sz="2400" dirty="0" smtClean="0"/>
+              <a:t>MIP principale : réalisation d’un appui plan</a:t>
+            </a:r>
+            <a:endParaRPr lang="fr-FR" sz="2400" dirty="0"/>
+          </a:p>
+        </p:txBody>
+      </p:sp>
+      <p:sp>
+        <p:nvSpPr>
+          <p:cNvPr id="3" name="Espace réservé du contenu 2"/>
+          <p:cNvSpPr>
+            <a:spLocks noGrp="1"/>
+          </p:cNvSpPr>
+          <p:nvPr>
+            <p:ph sz="quarter" idx="1"/>
+          </p:nvPr>
+        </p:nvSpPr>
+        <p:spPr/>
+        <p:txBody>
+          <a:bodyPr/>
+          <a:lstStyle/>
+          <a:p>
+            <a:r>
+              <a:rPr lang="fr-FR" dirty="0" smtClean="0"/>
+              <a:t>Principe</a:t>
+            </a:r>
+          </a:p>
+          <a:p>
+            <a:pPr lvl="1"/>
+            <a:r>
+              <a:rPr lang="fr-FR" dirty="0" smtClean="0"/>
+              <a:t>Trois liaisons sphère </a:t>
+            </a:r>
+            <a:r>
+              <a:rPr lang="fr-FR" dirty="0" smtClean="0"/>
+              <a:t>plan</a:t>
+            </a:r>
+          </a:p>
+          <a:p>
+            <a:pPr lvl="1"/>
+            <a:endParaRPr lang="fr-FR" dirty="0"/>
+          </a:p>
+          <a:p>
+            <a:pPr lvl="1"/>
+            <a:endParaRPr lang="fr-FR" dirty="0" smtClean="0"/>
+          </a:p>
+          <a:p>
+            <a:pPr lvl="1"/>
+            <a:endParaRPr lang="fr-FR" dirty="0"/>
+          </a:p>
+          <a:p>
+            <a:pPr lvl="1"/>
+            <a:endParaRPr lang="fr-FR" dirty="0" smtClean="0"/>
+          </a:p>
+          <a:p>
+            <a:pPr lvl="1"/>
+            <a:r>
+              <a:rPr lang="fr-FR" dirty="0" smtClean="0"/>
+              <a:t>Répartition des pressions</a:t>
+            </a:r>
+            <a:endParaRPr lang="fr-FR" dirty="0" smtClean="0"/>
+          </a:p>
+          <a:p>
+            <a:endParaRPr lang="fr-FR" dirty="0"/>
           </a:p>
         </p:txBody>
       </p:sp>
@@ -13955,29 +17140,118 @@
           </a:p>
         </p:txBody>
       </p:sp>
-      <p:sp>
-        <p:nvSpPr>
-          <p:cNvPr id="3" name="Espace réservé du contenu 2"/>
-          <p:cNvSpPr>
-            <a:spLocks noGrp="1"/>
-          </p:cNvSpPr>
-          <p:nvPr>
-            <p:ph sz="quarter" idx="1"/>
-          </p:nvPr>
-        </p:nvSpPr>
-        <p:spPr/>
-        <p:txBody>
-          <a:bodyPr/>
-          <a:lstStyle/>
-          <a:p>
-            <a:endParaRPr lang="fr-FR"/>
-          </a:p>
-        </p:txBody>
-      </p:sp>
+      <p:pic>
+        <p:nvPicPr>
+          <p:cNvPr id="3074" name="Picture 2"/>
+          <p:cNvPicPr>
+            <a:picLocks noChangeAspect="1" noChangeArrowheads="1"/>
+          </p:cNvPicPr>
+          <p:nvPr/>
+        </p:nvPicPr>
+        <p:blipFill>
+          <a:blip r:embed="rId2">
+            <a:extLst>
+              <a:ext uri="{28A0092B-C50C-407E-A947-70E740481C1C}">
+                <a14:useLocalDpi xmlns:a14="http://schemas.microsoft.com/office/drawing/2010/main" val="0"/>
+              </a:ext>
+            </a:extLst>
+          </a:blip>
+          <a:srcRect/>
+          <a:stretch>
+            <a:fillRect/>
+          </a:stretch>
+        </p:blipFill>
+        <p:spPr bwMode="auto">
+          <a:xfrm>
+            <a:off x="4716016" y="1052736"/>
+            <a:ext cx="4038600" cy="2409825"/>
+          </a:xfrm>
+          <a:prstGeom prst="rect">
+            <a:avLst/>
+          </a:prstGeom>
+          <a:noFill/>
+          <a:ln>
+            <a:noFill/>
+          </a:ln>
+          <a:extLst>
+            <a:ext uri="{909E8E84-426E-40DD-AFC4-6F175D3DCCD1}">
+              <a14:hiddenFill xmlns:a14="http://schemas.microsoft.com/office/drawing/2010/main">
+                <a:solidFill>
+                  <a:schemeClr val="accent1"/>
+                </a:solidFill>
+              </a14:hiddenFill>
+            </a:ext>
+            <a:ext uri="{91240B29-F687-4F45-9708-019B960494DF}">
+              <a14:hiddenLine xmlns:a14="http://schemas.microsoft.com/office/drawing/2010/main" w="9525">
+                <a:solidFill>
+                  <a:schemeClr val="tx1"/>
+                </a:solidFill>
+                <a:miter lim="800000"/>
+                <a:headEnd/>
+                <a:tailEnd/>
+              </a14:hiddenLine>
+            </a:ext>
+          </a:extLst>
+        </p:spPr>
+      </p:pic>
+      <p:pic>
+        <p:nvPicPr>
+          <p:cNvPr id="3075" name="Picture 3"/>
+          <p:cNvPicPr>
+            <a:picLocks noChangeAspect="1" noChangeArrowheads="1"/>
+          </p:cNvPicPr>
+          <p:nvPr/>
+        </p:nvPicPr>
+        <p:blipFill>
+          <a:blip r:embed="rId3">
+            <a:extLst>
+              <a:ext uri="{28A0092B-C50C-407E-A947-70E740481C1C}">
+                <a14:useLocalDpi xmlns:a14="http://schemas.microsoft.com/office/drawing/2010/main" val="0"/>
+              </a:ext>
+            </a:extLst>
+          </a:blip>
+          <a:srcRect/>
+          <a:stretch>
+            <a:fillRect/>
+          </a:stretch>
+        </p:blipFill>
+        <p:spPr bwMode="auto">
+          <a:xfrm>
+            <a:off x="2039687" y="4077072"/>
+            <a:ext cx="5352658" cy="2232248"/>
+          </a:xfrm>
+          <a:prstGeom prst="rect">
+            <a:avLst/>
+          </a:prstGeom>
+          <a:noFill/>
+          <a:ln>
+            <a:noFill/>
+          </a:ln>
+          <a:extLst>
+            <a:ext uri="{909E8E84-426E-40DD-AFC4-6F175D3DCCD1}">
+              <a14:hiddenFill xmlns:a14="http://schemas.microsoft.com/office/drawing/2010/main">
+                <a:solidFill>
+                  <a:schemeClr val="accent1"/>
+                </a:solidFill>
+              </a14:hiddenFill>
+            </a:ext>
+            <a:ext uri="{91240B29-F687-4F45-9708-019B960494DF}">
+              <a14:hiddenLine xmlns:a14="http://schemas.microsoft.com/office/drawing/2010/main" w="9525">
+                <a:solidFill>
+                  <a:schemeClr val="tx1"/>
+                </a:solidFill>
+                <a:miter lim="800000"/>
+                <a:headEnd/>
+                <a:tailEnd/>
+              </a14:hiddenLine>
+            </a:ext>
+          </a:extLst>
+        </p:spPr>
+      </p:pic>
     </p:spTree>
     <p:extLst>
       <p:ext uri="{BB962C8B-B14F-4D97-AF65-F5344CB8AC3E}">
-        <p14:creationId xmlns:p14="http://schemas.microsoft.com/office/powerpoint/2010/main" val="1753570024"/>
+        <p14:creationId xmlns:p14="http://schemas.microsoft.com/office/powerpoint/2010/main" val="3230362898"/>
       </p:ext>
     </p:extLst>
   </p:cSld>
@@ -14057,12 +17331,11 @@
             </a:r>
           </a:p>
           <a:p>
+            <a:pPr lvl="1"/>
             <a:r>
               <a:rPr lang="fr-FR" dirty="0" smtClean="0"/>
-              <a:t>Trois liaisons sphère plan</a:t>
-            </a:r>
-          </a:p>
-          <a:p>
+              <a:t>Réalisation technologique</a:t>
+            </a:r>
             <a:endParaRPr lang="fr-FR" dirty="0"/>
           </a:p>
         </p:txBody>
@@ -14114,10 +17387,64 @@
           </a:p>
         </p:txBody>
       </p:sp>
+      <p:pic>
+        <p:nvPicPr>
+          <p:cNvPr id="4098" name="Picture 2"/>
+          <p:cNvPicPr>
+            <a:picLocks noChangeAspect="1" noChangeArrowheads="1"/>
+          </p:cNvPicPr>
+          <p:nvPr/>
+        </p:nvPicPr>
+        <p:blipFill>
+          <a:blip r:embed="rId2">
+            <a:extLst>
+              <a:ext uri="{28A0092B-C50C-407E-A947-70E740481C1C}">
+                <a14:useLocalDpi xmlns:a14="http://schemas.microsoft.com/office/drawing/2010/main" val="0"/>
+              </a:ext>
+            </a:extLst>
+          </a:blip>
+          <a:srcRect/>
+          <a:stretch>
+            <a:fillRect/>
+          </a:stretch>
+        </p:blipFill>
+        <p:spPr bwMode="auto">
+          <a:xfrm>
+            <a:off x="251520" y="2348880"/>
+            <a:ext cx="8403754" cy="2697591"/>
+          </a:xfrm>
+          <a:prstGeom prst="rect">
+            <a:avLst/>
+          </a:prstGeom>
+          <a:noFill/>
+          <a:ln>
+            <a:noFill/>
+          </a:ln>
+          <a:extLst>
+            <a:ext uri="{909E8E84-426E-40DD-AFC4-6F175D3DCCD1}">
+              <a14:hiddenFill xmlns:a14="http://schemas.microsoft.com/office/drawing/2010/main">
+                <a:solidFill>
+                  <a:schemeClr val="accent1"/>
+                </a:solidFill>
+              </a14:hiddenFill>
+            </a:ext>
+            <a:ext uri="{91240B29-F687-4F45-9708-019B960494DF}">
+              <a14:hiddenLine xmlns:a14="http://schemas.microsoft.com/office/drawing/2010/main" w="9525">
+                <a:solidFill>
+                  <a:schemeClr val="tx1"/>
+                </a:solidFill>
+                <a:miter lim="800000"/>
+                <a:headEnd/>
+                <a:tailEnd/>
+              </a14:hiddenLine>
+            </a:ext>
+          </a:extLst>
+        </p:spPr>
+      </p:pic>
     </p:spTree>
     <p:extLst>
       <p:ext uri="{BB962C8B-B14F-4D97-AF65-F5344CB8AC3E}">
-        <p14:creationId xmlns:p14="http://schemas.microsoft.com/office/powerpoint/2010/main" val="3230362898"/>
+        <p14:creationId xmlns:p14="http://schemas.microsoft.com/office/powerpoint/2010/main" val="2168245413"/>
       </p:ext>
     </p:extLst>
   </p:cSld>
@@ -14193,7 +17520,37 @@
           <a:p>
             <a:r>
               <a:rPr lang="fr-FR" dirty="0" smtClean="0"/>
-              <a:t>Contact plan – plan </a:t>
+              <a:t>Contact plan – </a:t>
+            </a:r>
+            <a:r>
+              <a:rPr lang="fr-FR" dirty="0" smtClean="0"/>
+              <a:t>plan</a:t>
+            </a:r>
+          </a:p>
+          <a:p>
+            <a:pPr lvl="1"/>
+            <a:r>
+              <a:rPr lang="fr-FR" dirty="0" smtClean="0"/>
+              <a:t>Évidement de la surface</a:t>
+            </a:r>
+            <a:r>
+              <a:rPr lang="fr-FR" dirty="0" smtClean="0"/>
+              <a:t> </a:t>
+            </a:r>
+          </a:p>
+          <a:p>
+            <a:pPr lvl="1"/>
+            <a:endParaRPr lang="fr-FR" dirty="0"/>
+          </a:p>
+          <a:p>
+            <a:pPr lvl="1"/>
+            <a:endParaRPr lang="fr-FR" dirty="0" smtClean="0"/>
+          </a:p>
+          <a:p>
+            <a:pPr lvl="1"/>
+            <a:r>
+              <a:rPr lang="fr-FR" dirty="0" smtClean="0"/>
+              <a:t>Réalisations technologiques</a:t>
             </a:r>
             <a:endParaRPr lang="fr-FR" dirty="0"/>
           </a:p>
@@ -14246,6 +17603,114 @@
           </a:p>
         </p:txBody>
       </p:sp>
+      <p:pic>
+        <p:nvPicPr>
+          <p:cNvPr id="5122" name="Picture 2"/>
+          <p:cNvPicPr>
+            <a:picLocks noChangeAspect="1" noChangeArrowheads="1"/>
+          </p:cNvPicPr>
+          <p:nvPr/>
+        </p:nvPicPr>
+        <p:blipFill>
+          <a:blip r:embed="rId2">
+            <a:extLst>
+              <a:ext uri="{28A0092B-C50C-407E-A947-70E740481C1C}">
+                <a14:useLocalDpi xmlns:a14="http://schemas.microsoft.com/office/drawing/2010/main" val="0"/>
+              </a:ext>
+            </a:extLst>
+          </a:blip>
+          <a:srcRect/>
+          <a:stretch>
+            <a:fillRect/>
+          </a:stretch>
+        </p:blipFill>
+        <p:spPr bwMode="auto">
+          <a:xfrm>
+            <a:off x="4572000" y="1196752"/>
+            <a:ext cx="4176464" cy="875451"/>
+          </a:xfrm>
+          <a:prstGeom prst="rect">
+            <a:avLst/>
+          </a:prstGeom>
+          <a:noFill/>
+          <a:ln>
+            <a:noFill/>
+          </a:ln>
+          <a:extLst>
+            <a:ext uri="{909E8E84-426E-40DD-AFC4-6F175D3DCCD1}">
+              <a14:hiddenFill xmlns:a14="http://schemas.microsoft.com/office/drawing/2010/main">
+                <a:solidFill>
+                  <a:schemeClr val="accent1"/>
+                </a:solidFill>
+              </a14:hiddenFill>
+            </a:ext>
+            <a:ext uri="{91240B29-F687-4F45-9708-019B960494DF}">
+              <a14:hiddenLine xmlns:a14="http://schemas.microsoft.com/office/drawing/2010/main" w="9525">
+                <a:solidFill>
+                  <a:schemeClr val="tx1"/>
+                </a:solidFill>
+                <a:miter lim="800000"/>
+                <a:headEnd/>
+                <a:tailEnd/>
+              </a14:hiddenLine>
+            </a:ext>
+          </a:extLst>
+        </p:spPr>
+      </p:pic>
+      <p:pic>
+        <p:nvPicPr>
+          <p:cNvPr id="5123" name="Picture 3"/>
+          <p:cNvPicPr>
+            <a:picLocks noChangeAspect="1" noChangeArrowheads="1"/>
+          </p:cNvPicPr>
+          <p:nvPr/>
+        </p:nvPicPr>
+        <p:blipFill>
+          <a:blip r:embed="rId3">
+            <a:extLst>
+              <a:ext uri="{28A0092B-C50C-407E-A947-70E740481C1C}">
+                <a14:useLocalDpi xmlns:a14="http://schemas.microsoft.com/office/drawing/2010/main" val="0"/>
+              </a:ext>
+            </a:extLst>
+          </a:blip>
+          <a:srcRect/>
+          <a:stretch>
+            <a:fillRect/>
+          </a:stretch>
+        </p:blipFill>
+        <p:spPr bwMode="auto">
+          <a:xfrm>
+            <a:off x="205271" y="3825074"/>
+            <a:ext cx="8543193" cy="1800200"/>
+          </a:xfrm>
+          <a:prstGeom prst="rect">
+            <a:avLst/>
+          </a:prstGeom>
+          <a:noFill/>
+          <a:ln>
+            <a:noFill/>
+          </a:ln>
+          <a:extLst>
+            <a:ext uri="{909E8E84-426E-40DD-AFC4-6F175D3DCCD1}">
+              <a14:hiddenFill xmlns:a14="http://schemas.microsoft.com/office/drawing/2010/main">
+                <a:solidFill>
+                  <a:schemeClr val="accent1"/>
+                </a:solidFill>
+              </a14:hiddenFill>
+            </a:ext>
+            <a:ext uri="{91240B29-F687-4F45-9708-019B960494DF}">
+              <a14:hiddenLine xmlns:a14="http://schemas.microsoft.com/office/drawing/2010/main" w="9525">
+                <a:solidFill>
+                  <a:schemeClr val="tx1"/>
+                </a:solidFill>
+                <a:miter lim="800000"/>
+                <a:headEnd/>
+                <a:tailEnd/>
+              </a14:hiddenLine>
+            </a:ext>
+          </a:extLst>
+        </p:spPr>
+      </p:pic>
     </p:spTree>
     <p:extLst>
       <p:ext uri="{BB962C8B-B14F-4D97-AF65-F5344CB8AC3E}">
@@ -14278,38 +17743,6 @@
       </p:grpSpPr>
       <p:sp>
         <p:nvSpPr>
-          <p:cNvPr id="2" name="Titre 1"/>
-          <p:cNvSpPr>
-            <a:spLocks noGrp="1"/>
-          </p:cNvSpPr>
-          <p:nvPr>
-            <p:ph type="title"/>
-          </p:nvPr>
-        </p:nvSpPr>
-        <p:spPr/>
-        <p:txBody>
-          <a:bodyPr>
-            <a:normAutofit/>
-          </a:bodyPr>
-          <a:lstStyle/>
-          <a:p>
-            <a:r>
-              <a:rPr lang="fr-FR" sz="2400" dirty="0" smtClean="0"/>
-              <a:t>Liaisons a contact plan prépondérant</a:t>
-            </a:r>
-            <a:br>
-              <a:rPr lang="fr-FR" sz="2400" dirty="0" smtClean="0"/>
-            </a:br>
-            <a:r>
-              <a:rPr lang="fr-FR" sz="2400" dirty="0" smtClean="0"/>
-              <a:t>MIP secondaire</a:t>
-            </a:r>
-            <a:endParaRPr lang="fr-FR" sz="2400" dirty="0"/>
-          </a:p>
-        </p:txBody>
-      </p:sp>
-      <p:sp>
-        <p:nvSpPr>
           <p:cNvPr id="3" name="Espace réservé du contenu 2"/>
           <p:cNvSpPr>
             <a:spLocks noGrp="1"/>
@@ -14375,6 +17808,198 @@
               <a:t>Xavier Pessoles - Jean-Pierre Pupier</a:t>
             </a:r>
             <a:endParaRPr lang="fr-BE"/>
+          </a:p>
+        </p:txBody>
+      </p:sp>
+      <p:pic>
+        <p:nvPicPr>
+          <p:cNvPr id="6146" name="Picture 2"/>
+          <p:cNvPicPr>
+            <a:picLocks noChangeAspect="1" noChangeArrowheads="1"/>
+          </p:cNvPicPr>
+          <p:nvPr/>
+        </p:nvPicPr>
+        <p:blipFill rotWithShape="1">
+          <a:blip r:embed="rId2">
+            <a:extLst>
+              <a:ext uri="{28A0092B-C50C-407E-A947-70E740481C1C}">
+                <a14:useLocalDpi xmlns:a14="http://schemas.microsoft.com/office/drawing/2010/main" val="0"/>
+              </a:ext>
+            </a:extLst>
+          </a:blip>
+          <a:srcRect l="8873" r="6924"/>
+          <a:stretch/>
+        </p:blipFill>
+        <p:spPr bwMode="auto">
+          <a:xfrm>
+            <a:off x="5896594" y="332656"/>
+            <a:ext cx="2757948" cy="2421260"/>
+          </a:xfrm>
+          <a:prstGeom prst="rect">
+            <a:avLst/>
+          </a:prstGeom>
+          <a:noFill/>
+          <a:ln>
+            <a:noFill/>
+          </a:ln>
+          <a:extLst>
+            <a:ext uri="{909E8E84-426E-40DD-AFC4-6F175D3DCCD1}">
+              <a14:hiddenFill xmlns:a14="http://schemas.microsoft.com/office/drawing/2010/main">
+                <a:solidFill>
+                  <a:schemeClr val="accent1"/>
+                </a:solidFill>
+              </a14:hiddenFill>
+            </a:ext>
+            <a:ext uri="{91240B29-F687-4F45-9708-019B960494DF}">
+              <a14:hiddenLine xmlns:a14="http://schemas.microsoft.com/office/drawing/2010/main" w="9525">
+                <a:solidFill>
+                  <a:schemeClr val="tx1"/>
+                </a:solidFill>
+                <a:miter lim="800000"/>
+                <a:headEnd/>
+                <a:tailEnd/>
+              </a14:hiddenLine>
+            </a:ext>
+          </a:extLst>
+        </p:spPr>
+      </p:pic>
+      <p:pic>
+        <p:nvPicPr>
+          <p:cNvPr id="6147" name="Picture 3"/>
+          <p:cNvPicPr>
+            <a:picLocks noChangeAspect="1" noChangeArrowheads="1"/>
+          </p:cNvPicPr>
+          <p:nvPr/>
+        </p:nvPicPr>
+        <p:blipFill>
+          <a:blip r:embed="rId3">
+            <a:extLst>
+              <a:ext uri="{28A0092B-C50C-407E-A947-70E740481C1C}">
+                <a14:useLocalDpi xmlns:a14="http://schemas.microsoft.com/office/drawing/2010/main" val="0"/>
+              </a:ext>
+            </a:extLst>
+          </a:blip>
+          <a:srcRect/>
+          <a:stretch>
+            <a:fillRect/>
+          </a:stretch>
+        </p:blipFill>
+        <p:spPr bwMode="auto">
+          <a:xfrm>
+            <a:off x="310837" y="2287507"/>
+            <a:ext cx="4985642" cy="3834556"/>
+          </a:xfrm>
+          <a:prstGeom prst="rect">
+            <a:avLst/>
+          </a:prstGeom>
+          <a:noFill/>
+          <a:ln>
+            <a:noFill/>
+          </a:ln>
+          <a:extLst>
+            <a:ext uri="{909E8E84-426E-40DD-AFC4-6F175D3DCCD1}">
+              <a14:hiddenFill xmlns:a14="http://schemas.microsoft.com/office/drawing/2010/main">
+                <a:solidFill>
+                  <a:schemeClr val="accent1"/>
+                </a:solidFill>
+              </a14:hiddenFill>
+            </a:ext>
+            <a:ext uri="{91240B29-F687-4F45-9708-019B960494DF}">
+              <a14:hiddenLine xmlns:a14="http://schemas.microsoft.com/office/drawing/2010/main" w="9525">
+                <a:solidFill>
+                  <a:schemeClr val="tx1"/>
+                </a:solidFill>
+                <a:miter lim="800000"/>
+                <a:headEnd/>
+                <a:tailEnd/>
+              </a14:hiddenLine>
+            </a:ext>
+          </a:extLst>
+        </p:spPr>
+      </p:pic>
+      <p:pic>
+        <p:nvPicPr>
+          <p:cNvPr id="6148" name="Picture 4"/>
+          <p:cNvPicPr>
+            <a:picLocks noChangeAspect="1" noChangeArrowheads="1"/>
+          </p:cNvPicPr>
+          <p:nvPr/>
+        </p:nvPicPr>
+        <p:blipFill>
+          <a:blip r:embed="rId4">
+            <a:extLst>
+              <a:ext uri="{28A0092B-C50C-407E-A947-70E740481C1C}">
+                <a14:useLocalDpi xmlns:a14="http://schemas.microsoft.com/office/drawing/2010/main" val="0"/>
+              </a:ext>
+            </a:extLst>
+          </a:blip>
+          <a:srcRect/>
+          <a:stretch>
+            <a:fillRect/>
+          </a:stretch>
+        </p:blipFill>
+        <p:spPr bwMode="auto">
+          <a:xfrm>
+            <a:off x="5296479" y="2756985"/>
+            <a:ext cx="3343275" cy="2895600"/>
+          </a:xfrm>
+          <a:prstGeom prst="rect">
+            <a:avLst/>
+          </a:prstGeom>
+          <a:noFill/>
+          <a:ln>
+            <a:noFill/>
+          </a:ln>
+          <a:extLst>
+            <a:ext uri="{909E8E84-426E-40DD-AFC4-6F175D3DCCD1}">
+              <a14:hiddenFill xmlns:a14="http://schemas.microsoft.com/office/drawing/2010/main">
+                <a:solidFill>
+                  <a:schemeClr val="accent1"/>
+                </a:solidFill>
+              </a14:hiddenFill>
+            </a:ext>
+            <a:ext uri="{91240B29-F687-4F45-9708-019B960494DF}">
+              <a14:hiddenLine xmlns:a14="http://schemas.microsoft.com/office/drawing/2010/main" w="9525">
+                <a:solidFill>
+                  <a:schemeClr val="tx1"/>
+                </a:solidFill>
+                <a:miter lim="800000"/>
+                <a:headEnd/>
+                <a:tailEnd/>
+              </a14:hiddenLine>
+            </a:ext>
+          </a:extLst>
+        </p:spPr>
+      </p:pic>
+      <p:sp>
+        <p:nvSpPr>
+          <p:cNvPr id="2" name="Titre 1"/>
+          <p:cNvSpPr>
+            <a:spLocks noGrp="1"/>
+          </p:cNvSpPr>
+          <p:nvPr>
+            <p:ph type="title"/>
+          </p:nvPr>
+        </p:nvSpPr>
+        <p:spPr/>
+        <p:txBody>
+          <a:bodyPr>
+            <a:normAutofit/>
+          </a:bodyPr>
+          <a:lstStyle/>
+          <a:p>
+            <a:r>
+              <a:rPr lang="fr-FR" sz="2400" dirty="0" smtClean="0"/>
+              <a:t>Liaisons a contact plan prépondérant</a:t>
+            </a:r>
+            <a:br>
+              <a:rPr lang="fr-FR" sz="2400" dirty="0" smtClean="0"/>
+            </a:br>
+            <a:r>
+              <a:rPr lang="fr-FR" sz="2400" dirty="0" smtClean="0"/>
+              <a:t>MIP secondaire</a:t>
+            </a:r>
+            <a:endParaRPr lang="fr-FR" sz="2400" dirty="0"/>
           </a:p>
         </p:txBody>
       </p:sp>
